--- a/Img/프레젠테이션1.pptx
+++ b/Img/프레젠테이션1.pptx
@@ -2,7 +2,7 @@
 <file path=ppt/presentation.xml><?xml version="1.0" encoding="utf-8"?>
 <p:presentation xmlns:r="http://schemas.openxmlformats.org/officeDocument/2006/relationships" xmlns:c="http://schemas.openxmlformats.org/drawingml/2006/chart" xmlns:a="http://schemas.openxmlformats.org/drawingml/2006/main" xmlns:dgm="http://schemas.openxmlformats.org/drawingml/2006/diagram" xmlns:dsp="http://schemas.microsoft.com/office/drawing/2008/diagram" xmlns:p="http://schemas.openxmlformats.org/presentationml/2006/main">
   <p:sldMasterIdLst>
-    <p:sldMasterId id="2147483662" r:id="rId1"/>
+    <p:sldMasterId id="2147483663" r:id="rId1"/>
   </p:sldMasterIdLst>
   <p:sldIdLst>
     <p:sldId id="256" r:id="rId2"/>
@@ -3307,7 +3307,7 @@
 </file>
 
 <file path=ppt/slides/slide1.xml><?xml version="1.0" encoding="utf-8"?>
-<p:sld xmlns:a="http://schemas.openxmlformats.org/drawingml/2006/main" xmlns:r="http://schemas.openxmlformats.org/officeDocument/2006/relationships" xmlns:p="http://schemas.openxmlformats.org/presentationml/2006/main">
+<p:sld xmlns:r="http://schemas.openxmlformats.org/officeDocument/2006/relationships" xmlns:c="http://schemas.openxmlformats.org/drawingml/2006/chart" xmlns:a="http://schemas.openxmlformats.org/drawingml/2006/main" xmlns:dgm="http://schemas.openxmlformats.org/drawingml/2006/diagram" xmlns:dsp="http://schemas.microsoft.com/office/drawing/2008/diagram" xmlns:p="http://schemas.openxmlformats.org/presentationml/2006/main">
   <p:cSld>
     <p:spTree>
       <p:nvGrpSpPr>
@@ -3325,19 +3325,13 @@
       </p:grpSpPr>
       <p:sp>
         <p:nvSpPr>
-          <p:cNvPr id="4" name="타원 3">
-            <a:extLst>
-              <a:ext uri="{FF2B5EF4-FFF2-40B4-BE49-F238E27FC236}">
-                <a16:creationId xmlns:a16="http://schemas.microsoft.com/office/drawing/2014/main" id="{591CF20F-2EDC-44CA-BE7B-AA108D9CE948}"/>
-              </a:ext>
-            </a:extLst>
-          </p:cNvPr>
+          <p:cNvPr id="4" name="타원 3"/>
           <p:cNvSpPr/>
           <p:nvPr/>
         </p:nvSpPr>
         <p:spPr>
           <a:xfrm>
-            <a:off x="2650921" y="1442906"/>
+            <a:off x="2639568" y="1412748"/>
             <a:ext cx="1440000" cy="1440000"/>
           </a:xfrm>
           <a:prstGeom prst="ellipse">
@@ -3369,29 +3363,25 @@
           </a:fontRef>
         </p:style>
         <p:txBody>
-          <a:bodyPr rtlCol="0" anchor="ctr"/>
-          <a:lstStyle/>
-          <a:p>
-            <a:pPr algn="ctr"/>
-            <a:endParaRPr lang="ko-KR" altLang="en-US"/>
-          </a:p>
-        </p:txBody>
-      </p:sp>
-      <p:sp>
-        <p:nvSpPr>
-          <p:cNvPr id="7" name="자유형: 도형 6">
-            <a:extLst>
-              <a:ext uri="{FF2B5EF4-FFF2-40B4-BE49-F238E27FC236}">
-                <a16:creationId xmlns:a16="http://schemas.microsoft.com/office/drawing/2014/main" id="{1714EACA-6514-4E5D-9C92-A3E8ACC55F3E}"/>
-              </a:ext>
-            </a:extLst>
-          </p:cNvPr>
+          <a:bodyPr anchor="ctr"/>
+          <a:lstStyle/>
+          <a:p>
+            <a:pPr algn="ctr">
+              <a:defRPr/>
+            </a:pPr>
+            <a:endParaRPr lang="ko-KR" altLang="en-US"/>
+          </a:p>
+        </p:txBody>
+      </p:sp>
+      <p:sp>
+        <p:nvSpPr>
+          <p:cNvPr id="7" name="자유형: 도형 6"/>
           <p:cNvSpPr/>
           <p:nvPr/>
         </p:nvSpPr>
         <p:spPr>
           <a:xfrm>
-            <a:off x="2650921" y="2882906"/>
+            <a:off x="2639568" y="2852973"/>
             <a:ext cx="720000" cy="360000"/>
           </a:xfrm>
           <a:custGeom>
@@ -3406,7 +3396,6 @@
               <a:gd name="connsiteX3" fmla="*/ 457200 w 914400"/>
               <a:gd name="connsiteY3" fmla="*/ 0 h 457200"/>
             </a:gdLst>
-            <a:ahLst/>
             <a:cxnLst>
               <a:cxn ang="0">
                 <a:pos x="connsiteX0" y="connsiteY0"/>
@@ -3470,31 +3459,27 @@
           </a:fontRef>
         </p:style>
         <p:txBody>
-          <a:bodyPr wrap="square" rtlCol="0" anchor="ctr">
+          <a:bodyPr wrap="square" anchor="ctr">
             <a:noAutofit/>
           </a:bodyPr>
           <a:lstStyle/>
           <a:p>
-            <a:pPr algn="ctr"/>
-            <a:endParaRPr lang="ko-KR" altLang="en-US"/>
-          </a:p>
-        </p:txBody>
-      </p:sp>
-      <p:sp>
-        <p:nvSpPr>
-          <p:cNvPr id="8" name="자유형: 도형 7">
-            <a:extLst>
-              <a:ext uri="{FF2B5EF4-FFF2-40B4-BE49-F238E27FC236}">
-                <a16:creationId xmlns:a16="http://schemas.microsoft.com/office/drawing/2014/main" id="{8455AC20-4096-4886-8FA3-0726BBFC050D}"/>
-              </a:ext>
-            </a:extLst>
-          </p:cNvPr>
+            <a:pPr algn="ctr">
+              <a:defRPr/>
+            </a:pPr>
+            <a:endParaRPr lang="ko-KR" altLang="en-US"/>
+          </a:p>
+        </p:txBody>
+      </p:sp>
+      <p:sp>
+        <p:nvSpPr>
+          <p:cNvPr id="8" name="자유형: 도형 7"/>
           <p:cNvSpPr/>
           <p:nvPr/>
         </p:nvSpPr>
         <p:spPr>
           <a:xfrm>
-            <a:off x="3370921" y="2882906"/>
+            <a:off x="3359748" y="2852973"/>
             <a:ext cx="720000" cy="360000"/>
           </a:xfrm>
           <a:custGeom>
@@ -3509,7 +3494,6 @@
               <a:gd name="connsiteX3" fmla="*/ 457200 w 914400"/>
               <a:gd name="connsiteY3" fmla="*/ 0 h 457200"/>
             </a:gdLst>
-            <a:ahLst/>
             <a:cxnLst>
               <a:cxn ang="0">
                 <a:pos x="connsiteX0" y="connsiteY0"/>
@@ -3573,31 +3557,27 @@
           </a:fontRef>
         </p:style>
         <p:txBody>
-          <a:bodyPr wrap="square" rtlCol="0" anchor="ctr">
+          <a:bodyPr wrap="square" anchor="ctr">
             <a:noAutofit/>
           </a:bodyPr>
           <a:lstStyle/>
           <a:p>
-            <a:pPr algn="ctr"/>
-            <a:endParaRPr lang="ko-KR" altLang="en-US"/>
-          </a:p>
-        </p:txBody>
-      </p:sp>
-      <p:sp>
-        <p:nvSpPr>
-          <p:cNvPr id="5" name="직사각형 4">
-            <a:extLst>
-              <a:ext uri="{FF2B5EF4-FFF2-40B4-BE49-F238E27FC236}">
-                <a16:creationId xmlns:a16="http://schemas.microsoft.com/office/drawing/2014/main" id="{23553518-CB24-491E-AA13-1FEC1622E467}"/>
-              </a:ext>
-            </a:extLst>
-          </p:cNvPr>
+            <a:pPr algn="ctr">
+              <a:defRPr/>
+            </a:pPr>
+            <a:endParaRPr lang="ko-KR" altLang="en-US"/>
+          </a:p>
+        </p:txBody>
+      </p:sp>
+      <p:sp>
+        <p:nvSpPr>
+          <p:cNvPr id="5" name="직사각형 4"/>
           <p:cNvSpPr/>
           <p:nvPr/>
         </p:nvSpPr>
         <p:spPr>
           <a:xfrm>
-            <a:off x="4090921" y="1442906"/>
+            <a:off x="4079928" y="1412928"/>
             <a:ext cx="1440000" cy="1440000"/>
           </a:xfrm>
           <a:prstGeom prst="rect">
@@ -3629,64 +3609,38 @@
           </a:fontRef>
         </p:style>
         <p:txBody>
-          <a:bodyPr rtlCol="0" anchor="ctr"/>
-          <a:lstStyle/>
-          <a:p>
-            <a:pPr algn="ctr"/>
-            <a:endParaRPr lang="ko-KR" altLang="en-US" dirty="0"/>
-          </a:p>
-        </p:txBody>
-      </p:sp>
-    </p:spTree>
-    <p:extLst>
-      <p:ext uri="{BB962C8B-B14F-4D97-AF65-F5344CB8AC3E}">
-        <p14:creationId xmlns:p14="http://schemas.microsoft.com/office/powerpoint/2010/main" val="3948678167"/>
-      </p:ext>
-    </p:extLst>
-  </p:cSld>
-  <p:clrMapOvr>
-    <a:masterClrMapping/>
-  </p:clrMapOvr>
-</p:sld>
-</file>
-
-<file path=ppt/slides/slide2.xml><?xml version="1.0" encoding="utf-8"?>
-<p:sld xmlns:a="http://schemas.openxmlformats.org/drawingml/2006/main" xmlns:r="http://schemas.openxmlformats.org/officeDocument/2006/relationships" xmlns:p="http://schemas.openxmlformats.org/presentationml/2006/main">
-  <p:cSld>
-    <p:spTree>
-      <p:nvGrpSpPr>
-        <p:cNvPr id="1" name=""/>
-        <p:cNvGrpSpPr/>
-        <p:nvPr/>
-      </p:nvGrpSpPr>
-      <p:grpSpPr>
-        <a:xfrm>
-          <a:off x="0" y="0"/>
-          <a:ext cx="0" cy="0"/>
-          <a:chOff x="0" y="0"/>
-          <a:chExt cx="0" cy="0"/>
-        </a:xfrm>
-      </p:grpSpPr>
-      <p:sp>
-        <p:nvSpPr>
-          <p:cNvPr id="4" name="직사각형 3">
-            <a:extLst>
-              <a:ext uri="{FF2B5EF4-FFF2-40B4-BE49-F238E27FC236}">
-                <a16:creationId xmlns:a16="http://schemas.microsoft.com/office/drawing/2014/main" id="{4A4C5087-587F-4AA0-A8EC-5E5654025972}"/>
-              </a:ext>
-            </a:extLst>
-          </p:cNvPr>
+          <a:bodyPr anchor="ctr"/>
+          <a:lstStyle/>
+          <a:p>
+            <a:pPr algn="ctr">
+              <a:defRPr/>
+            </a:pPr>
+            <a:endParaRPr lang="ko-KR" altLang="en-US"/>
+          </a:p>
+        </p:txBody>
+      </p:sp>
+      <p:sp>
+        <p:nvSpPr>
+          <p:cNvPr id="9" name="직사각형 4"/>
           <p:cNvSpPr/>
           <p:nvPr/>
         </p:nvSpPr>
         <p:spPr>
           <a:xfrm>
-            <a:off x="2223083" y="1560352"/>
-            <a:ext cx="914400" cy="914400"/>
+            <a:off x="4079748" y="2852748"/>
+            <a:ext cx="720180" cy="360225"/>
           </a:xfrm>
           <a:prstGeom prst="rect">
             <a:avLst/>
           </a:prstGeom>
+          <a:solidFill>
+            <a:schemeClr val="tx1"/>
+          </a:solidFill>
+          <a:ln>
+            <a:solidFill>
+              <a:schemeClr val="tx1"/>
+            </a:solidFill>
+          </a:ln>
         </p:spPr>
         <p:style>
           <a:lnRef idx="2">
@@ -3705,24 +3659,709 @@
           </a:fontRef>
         </p:style>
         <p:txBody>
-          <a:bodyPr rtlCol="0" anchor="ctr"/>
-          <a:lstStyle/>
-          <a:p>
-            <a:pPr algn="ctr"/>
-            <a:endParaRPr lang="ko-KR" altLang="en-US"/>
+          <a:bodyPr anchor="ctr"/>
+          <a:lstStyle/>
+          <a:p>
+            <a:pPr algn="ctr">
+              <a:defRPr/>
+            </a:pPr>
+            <a:endParaRPr lang="ko-KR" altLang="en-US"/>
+          </a:p>
+        </p:txBody>
+      </p:sp>
+      <p:sp>
+        <p:nvSpPr>
+          <p:cNvPr id="10" name="직사각형 4"/>
+          <p:cNvSpPr/>
+          <p:nvPr/>
+        </p:nvSpPr>
+        <p:spPr>
+          <a:xfrm>
+            <a:off x="4799568" y="2852973"/>
+            <a:ext cx="720180" cy="360225"/>
+          </a:xfrm>
+          <a:prstGeom prst="rect">
+            <a:avLst/>
+          </a:prstGeom>
+          <a:solidFill>
+            <a:srgbClr val="000000">
+              <a:alpha val="100000"/>
+            </a:srgbClr>
+          </a:solidFill>
+          <a:ln w="12700" cap="flat" cmpd="sng" algn="ctr">
+            <a:solidFill>
+              <a:srgbClr val="000000">
+                <a:alpha val="100000"/>
+              </a:srgbClr>
+            </a:solidFill>
+            <a:prstDash val="solid"/>
+            <a:miter/>
+          </a:ln>
+        </p:spPr>
+        <p:txBody>
+          <a:bodyPr anchor="ctr"/>
+          <a:p>
+            <a:pPr marL="0" indent="0" algn="ctr" defTabSz="914400" rtl="0" eaLnBrk="1" latinLnBrk="1" hangingPunct="1">
+              <a:lnSpc>
+                <a:spcPct val="100000"/>
+              </a:lnSpc>
+              <a:spcBef>
+                <a:spcPct val="0"/>
+              </a:spcBef>
+              <a:spcAft>
+                <a:spcPts val="0"/>
+              </a:spcAft>
+              <a:buNone/>
+              <a:defRPr/>
+            </a:pPr>
+            <a:endParaRPr xmlns:mc="http://schemas.openxmlformats.org/markup-compatibility/2006" xmlns:hp="http://schemas.haansoft.com/office/presentation/8.0" kumimoji="0" lang="ko-KR" altLang="en-US" sz="1800" b="0" i="0" u="none" strike="noStrike" kern="1200" cap="none" spc="0" normalizeH="0" baseline="0" mc:Ignorable="hp" hp:hslEmbossed="0">
+              <a:solidFill>
+                <a:srgbClr val="ffffff"/>
+              </a:solidFill>
+              <a:latin typeface="맑은 고딕"/>
+              <a:ea typeface="맑은 고딕"/>
+              <a:cs typeface="맑은 고딕"/>
+            </a:endParaRPr>
+          </a:p>
+        </p:txBody>
+      </p:sp>
+      <p:sp>
+        <p:nvSpPr>
+          <p:cNvPr id="11" name="직사각형 4"/>
+          <p:cNvSpPr/>
+          <p:nvPr/>
+        </p:nvSpPr>
+        <p:spPr>
+          <a:xfrm>
+            <a:off x="5520108" y="1412928"/>
+            <a:ext cx="1440000" cy="1440000"/>
+          </a:xfrm>
+          <a:prstGeom prst="triangle">
+            <a:avLst>
+              <a:gd name="adj" fmla="val 50000"/>
+            </a:avLst>
+          </a:prstGeom>
+          <a:solidFill>
+            <a:schemeClr val="tx1"/>
+          </a:solidFill>
+          <a:ln>
+            <a:solidFill>
+              <a:schemeClr val="tx1"/>
+            </a:solidFill>
+          </a:ln>
+        </p:spPr>
+        <p:style>
+          <a:lnRef idx="2">
+            <a:schemeClr val="accent1">
+              <a:shade val="50000"/>
+            </a:schemeClr>
+          </a:lnRef>
+          <a:fillRef idx="1">
+            <a:schemeClr val="accent1"/>
+          </a:fillRef>
+          <a:effectRef idx="0">
+            <a:schemeClr val="accent1"/>
+          </a:effectRef>
+          <a:fontRef idx="minor">
+            <a:schemeClr val="lt1"/>
+          </a:fontRef>
+        </p:style>
+        <p:txBody>
+          <a:bodyPr anchor="ctr"/>
+          <a:lstStyle/>
+          <a:p>
+            <a:pPr algn="ctr">
+              <a:defRPr/>
+            </a:pPr>
+            <a:endParaRPr lang="ko-KR" altLang="en-US"/>
+          </a:p>
+        </p:txBody>
+      </p:sp>
+      <p:sp>
+        <p:nvSpPr>
+          <p:cNvPr id="12" name="직사각형 4"/>
+          <p:cNvSpPr/>
+          <p:nvPr/>
+        </p:nvSpPr>
+        <p:spPr>
+          <a:xfrm>
+            <a:off x="5519928" y="2852748"/>
+            <a:ext cx="720180" cy="360225"/>
+          </a:xfrm>
+          <a:prstGeom prst="triangle">
+            <a:avLst>
+              <a:gd name="adj" fmla="val 50000"/>
+            </a:avLst>
+          </a:prstGeom>
+          <a:solidFill>
+            <a:schemeClr val="tx1"/>
+          </a:solidFill>
+          <a:ln>
+            <a:solidFill>
+              <a:schemeClr val="tx1"/>
+            </a:solidFill>
+          </a:ln>
+        </p:spPr>
+        <p:style>
+          <a:lnRef idx="2">
+            <a:schemeClr val="accent1">
+              <a:shade val="50000"/>
+            </a:schemeClr>
+          </a:lnRef>
+          <a:fillRef idx="1">
+            <a:schemeClr val="accent1"/>
+          </a:fillRef>
+          <a:effectRef idx="0">
+            <a:schemeClr val="accent1"/>
+          </a:effectRef>
+          <a:fontRef idx="minor">
+            <a:schemeClr val="lt1"/>
+          </a:fontRef>
+        </p:style>
+        <p:txBody>
+          <a:bodyPr anchor="ctr"/>
+          <a:lstStyle/>
+          <a:p>
+            <a:pPr algn="ctr">
+              <a:defRPr/>
+            </a:pPr>
+            <a:endParaRPr lang="ko-KR" altLang="en-US"/>
+          </a:p>
+        </p:txBody>
+      </p:sp>
+      <p:sp>
+        <p:nvSpPr>
+          <p:cNvPr id="13" name="직사각형 4"/>
+          <p:cNvSpPr/>
+          <p:nvPr/>
+        </p:nvSpPr>
+        <p:spPr>
+          <a:xfrm>
+            <a:off x="6239748" y="2852973"/>
+            <a:ext cx="720180" cy="360225"/>
+          </a:xfrm>
+          <a:prstGeom prst="triangle">
+            <a:avLst>
+              <a:gd name="adj" fmla="val 50000"/>
+            </a:avLst>
+          </a:prstGeom>
+          <a:solidFill>
+            <a:srgbClr val="000000">
+              <a:alpha val="100000"/>
+            </a:srgbClr>
+          </a:solidFill>
+          <a:ln w="12700" cap="flat" cmpd="sng" algn="ctr">
+            <a:solidFill>
+              <a:srgbClr val="000000">
+                <a:alpha val="100000"/>
+              </a:srgbClr>
+            </a:solidFill>
+            <a:prstDash val="solid"/>
+            <a:miter/>
+          </a:ln>
+        </p:spPr>
+        <p:txBody>
+          <a:bodyPr anchor="ctr"/>
+          <a:p>
+            <a:pPr marL="0" indent="0" algn="ctr" defTabSz="914400" rtl="0" eaLnBrk="1" latinLnBrk="1" hangingPunct="1">
+              <a:lnSpc>
+                <a:spcPct val="100000"/>
+              </a:lnSpc>
+              <a:spcBef>
+                <a:spcPct val="0"/>
+              </a:spcBef>
+              <a:spcAft>
+                <a:spcPts val="0"/>
+              </a:spcAft>
+              <a:buNone/>
+              <a:defRPr/>
+            </a:pPr>
+            <a:endParaRPr xmlns:mc="http://schemas.openxmlformats.org/markup-compatibility/2006" xmlns:hp="http://schemas.haansoft.com/office/presentation/8.0" kumimoji="0" lang="ko-KR" altLang="en-US" sz="1800" b="0" i="0" u="none" strike="noStrike" kern="1200" cap="none" spc="0" normalizeH="0" baseline="0" mc:Ignorable="hp" hp:hslEmbossed="0">
+              <a:solidFill>
+                <a:srgbClr val="ffffff"/>
+              </a:solidFill>
+              <a:latin typeface="맑은 고딕"/>
+              <a:ea typeface="맑은 고딕"/>
+              <a:cs typeface="맑은 고딕"/>
+            </a:endParaRPr>
           </a:p>
         </p:txBody>
       </p:sp>
     </p:spTree>
-    <p:extLst>
-      <p:ext uri="{BB962C8B-B14F-4D97-AF65-F5344CB8AC3E}">
-        <p14:creationId xmlns:p14="http://schemas.microsoft.com/office/powerpoint/2010/main" val="2864523729"/>
-      </p:ext>
-    </p:extLst>
   </p:cSld>
   <p:clrMapOvr>
     <a:masterClrMapping/>
   </p:clrMapOvr>
+  <mc:AlternateContent xmlns:mc="http://schemas.openxmlformats.org/markup-compatibility/2006">
+    <mc:Choice xmlns:p14="http://schemas.microsoft.com/office/powerpoint/2010/main" Requires="p14">
+      <p:transition xmlns:mc="http://schemas.openxmlformats.org/markup-compatibility/2006" xmlns:p14="http://schemas.microsoft.com/office/powerpoint/2010/main" mc:Ignorable="p14" p14:dur="500"/>
+    </mc:Choice>
+    <mc:Fallback>
+      <p:transition/>
+    </mc:Fallback>
+  </mc:AlternateContent>
+</p:sld>
+</file>
+
+<file path=ppt/slides/slide2.xml><?xml version="1.0" encoding="utf-8"?>
+<p:sld xmlns:r="http://schemas.openxmlformats.org/officeDocument/2006/relationships" xmlns:c="http://schemas.openxmlformats.org/drawingml/2006/chart" xmlns:a="http://schemas.openxmlformats.org/drawingml/2006/main" xmlns:dgm="http://schemas.openxmlformats.org/drawingml/2006/diagram" xmlns:dsp="http://schemas.microsoft.com/office/drawing/2008/diagram" xmlns:p="http://schemas.openxmlformats.org/presentationml/2006/main">
+  <p:cSld>
+    <p:spTree>
+      <p:nvGrpSpPr>
+        <p:cNvPr id="1" name=""/>
+        <p:cNvGrpSpPr/>
+        <p:nvPr/>
+      </p:nvGrpSpPr>
+      <p:grpSpPr>
+        <a:xfrm>
+          <a:off x="0" y="0"/>
+          <a:ext cx="0" cy="0"/>
+          <a:chOff x="0" y="0"/>
+          <a:chExt cx="0" cy="0"/>
+        </a:xfrm>
+      </p:grpSpPr>
+      <p:sp>
+        <p:nvSpPr>
+          <p:cNvPr id="19" name=""/>
+          <p:cNvSpPr/>
+          <p:nvPr/>
+        </p:nvSpPr>
+        <p:spPr>
+          <a:xfrm>
+            <a:off x="5087874" y="1340739"/>
+            <a:ext cx="360045" cy="360045"/>
+          </a:xfrm>
+          <a:prstGeom prst="rect">
+            <a:avLst/>
+          </a:prstGeom>
+          <a:solidFill>
+            <a:schemeClr val="dk1"/>
+          </a:solidFill>
+          <a:ln>
+            <a:noFill/>
+          </a:ln>
+        </p:spPr>
+        <p:style>
+          <a:lnRef idx="2">
+            <a:schemeClr val="accent1">
+              <a:shade val="20000"/>
+            </a:schemeClr>
+          </a:lnRef>
+          <a:fillRef idx="1">
+            <a:schemeClr val="accent1"/>
+          </a:fillRef>
+          <a:effectRef idx="0">
+            <a:schemeClr val="accent1"/>
+          </a:effectRef>
+          <a:fontRef idx="minor">
+            <a:schemeClr val="lt1"/>
+          </a:fontRef>
+        </p:style>
+        <p:txBody>
+          <a:bodyPr anchor="ctr"/>
+          <a:p>
+            <a:pPr algn="ctr">
+              <a:defRPr/>
+            </a:pPr>
+            <a:endParaRPr lang="ko-KR" altLang="en-US"/>
+          </a:p>
+        </p:txBody>
+      </p:sp>
+      <p:sp>
+        <p:nvSpPr>
+          <p:cNvPr id="16" name=""/>
+          <p:cNvSpPr/>
+          <p:nvPr/>
+        </p:nvSpPr>
+        <p:spPr>
+          <a:xfrm>
+            <a:off x="2135505" y="2060829"/>
+            <a:ext cx="720090" cy="720090"/>
+          </a:xfrm>
+          <a:prstGeom prst="rect">
+            <a:avLst/>
+          </a:prstGeom>
+          <a:solidFill>
+            <a:schemeClr val="dk1"/>
+          </a:solidFill>
+          <a:ln>
+            <a:noFill/>
+          </a:ln>
+        </p:spPr>
+        <p:style>
+          <a:lnRef idx="2">
+            <a:schemeClr val="accent1">
+              <a:shade val="20000"/>
+            </a:schemeClr>
+          </a:lnRef>
+          <a:fillRef idx="1">
+            <a:schemeClr val="accent1"/>
+          </a:fillRef>
+          <a:effectRef idx="0">
+            <a:schemeClr val="accent1"/>
+          </a:effectRef>
+          <a:fontRef idx="minor">
+            <a:schemeClr val="lt1"/>
+          </a:fontRef>
+        </p:style>
+        <p:txBody>
+          <a:bodyPr anchor="ctr"/>
+          <a:p>
+            <a:pPr algn="ctr">
+              <a:defRPr/>
+            </a:pPr>
+            <a:endParaRPr lang="ko-KR" altLang="en-US"/>
+          </a:p>
+        </p:txBody>
+      </p:sp>
+      <p:sp>
+        <p:nvSpPr>
+          <p:cNvPr id="14" name=""/>
+          <p:cNvSpPr/>
+          <p:nvPr/>
+        </p:nvSpPr>
+        <p:spPr>
+          <a:xfrm>
+            <a:off x="4727829" y="1340739"/>
+            <a:ext cx="720090" cy="720090"/>
+          </a:xfrm>
+          <a:prstGeom prst="ellipse">
+            <a:avLst/>
+          </a:prstGeom>
+          <a:solidFill>
+            <a:schemeClr val="dk1">
+              <a:alpha val="100000"/>
+            </a:schemeClr>
+          </a:solidFill>
+          <a:ln w="12700" cap="flat" cmpd="sng" algn="ctr">
+            <a:noFill/>
+            <a:prstDash val="solid"/>
+            <a:miter/>
+          </a:ln>
+        </p:spPr>
+        <p:txBody>
+          <a:bodyPr anchor="ctr"/>
+          <a:p>
+            <a:pPr marL="0" indent="0" algn="ctr" defTabSz="914400" rtl="0" eaLnBrk="1" latinLnBrk="1" hangingPunct="1">
+              <a:lnSpc>
+                <a:spcPct val="100000"/>
+              </a:lnSpc>
+              <a:spcBef>
+                <a:spcPct val="0"/>
+              </a:spcBef>
+              <a:spcAft>
+                <a:spcPts val="0"/>
+              </a:spcAft>
+              <a:buNone/>
+              <a:defRPr/>
+            </a:pPr>
+            <a:endParaRPr xmlns:mc="http://schemas.openxmlformats.org/markup-compatibility/2006" xmlns:hp="http://schemas.haansoft.com/office/presentation/8.0" kumimoji="0" lang="ko-KR" altLang="en-US" sz="1800" b="0" i="0" u="none" strike="noStrike" kern="1200" cap="none" spc="0" normalizeH="0" baseline="0" mc:Ignorable="hp" hp:hslEmbossed="0">
+              <a:solidFill>
+                <a:srgbClr val="ffffff"/>
+              </a:solidFill>
+              <a:latin typeface="맑은 고딕"/>
+              <a:ea typeface="맑은 고딕"/>
+              <a:cs typeface="맑은 고딕"/>
+            </a:endParaRPr>
+          </a:p>
+        </p:txBody>
+      </p:sp>
+      <p:sp>
+        <p:nvSpPr>
+          <p:cNvPr id="4" name="직사각형 3"/>
+          <p:cNvSpPr/>
+          <p:nvPr/>
+        </p:nvSpPr>
+        <p:spPr>
+          <a:xfrm>
+            <a:off x="2135505" y="1340739"/>
+            <a:ext cx="2952369" cy="720090"/>
+          </a:xfrm>
+          <a:prstGeom prst="rect">
+            <a:avLst/>
+          </a:prstGeom>
+          <a:solidFill>
+            <a:schemeClr val="dk1"/>
+          </a:solidFill>
+          <a:ln>
+            <a:noFill/>
+          </a:ln>
+        </p:spPr>
+        <p:style>
+          <a:lnRef idx="2">
+            <a:schemeClr val="accent1">
+              <a:shade val="50000"/>
+            </a:schemeClr>
+          </a:lnRef>
+          <a:fillRef idx="1">
+            <a:schemeClr val="accent1"/>
+          </a:fillRef>
+          <a:effectRef idx="0">
+            <a:schemeClr val="accent1"/>
+          </a:effectRef>
+          <a:fontRef idx="minor">
+            <a:schemeClr val="lt1"/>
+          </a:fontRef>
+        </p:style>
+        <p:txBody>
+          <a:bodyPr anchor="ctr"/>
+          <a:lstStyle/>
+          <a:p>
+            <a:pPr algn="ctr">
+              <a:defRPr/>
+            </a:pPr>
+            <a:endParaRPr lang="ko-KR" altLang="en-US"/>
+          </a:p>
+        </p:txBody>
+      </p:sp>
+      <p:sp>
+        <p:nvSpPr>
+          <p:cNvPr id="8" name=""/>
+          <p:cNvSpPr/>
+          <p:nvPr/>
+        </p:nvSpPr>
+        <p:spPr>
+          <a:xfrm>
+            <a:off x="2135505" y="1340739"/>
+            <a:ext cx="1440180" cy="1440180"/>
+          </a:xfrm>
+          <a:prstGeom prst="ellipse">
+            <a:avLst/>
+          </a:prstGeom>
+          <a:solidFill>
+            <a:schemeClr val="dk1"/>
+          </a:solidFill>
+          <a:ln>
+            <a:noFill/>
+          </a:ln>
+        </p:spPr>
+        <p:style>
+          <a:lnRef idx="2">
+            <a:schemeClr val="accent1">
+              <a:shade val="20000"/>
+            </a:schemeClr>
+          </a:lnRef>
+          <a:fillRef idx="1">
+            <a:schemeClr val="accent1"/>
+          </a:fillRef>
+          <a:effectRef idx="0">
+            <a:schemeClr val="accent1"/>
+          </a:effectRef>
+          <a:fontRef idx="minor">
+            <a:schemeClr val="lt1"/>
+          </a:fontRef>
+        </p:style>
+        <p:txBody>
+          <a:bodyPr anchor="ctr"/>
+          <a:p>
+            <a:pPr algn="ctr">
+              <a:defRPr/>
+            </a:pPr>
+            <a:endParaRPr lang="ko-KR" altLang="en-US"/>
+          </a:p>
+        </p:txBody>
+      </p:sp>
+      <p:sp>
+        <p:nvSpPr>
+          <p:cNvPr id="11" name=""/>
+          <p:cNvSpPr/>
+          <p:nvPr/>
+        </p:nvSpPr>
+        <p:spPr>
+          <a:xfrm>
+            <a:off x="4799838" y="1412748"/>
+            <a:ext cx="576072" cy="576072"/>
+          </a:xfrm>
+          <a:prstGeom prst="ellipse">
+            <a:avLst/>
+          </a:prstGeom>
+          <a:solidFill>
+            <a:schemeClr val="lt1"/>
+          </a:solidFill>
+          <a:ln>
+            <a:noFill/>
+          </a:ln>
+        </p:spPr>
+        <p:style>
+          <a:lnRef idx="2">
+            <a:schemeClr val="accent1">
+              <a:shade val="20000"/>
+            </a:schemeClr>
+          </a:lnRef>
+          <a:fillRef idx="1">
+            <a:schemeClr val="accent1"/>
+          </a:fillRef>
+          <a:effectRef idx="0">
+            <a:schemeClr val="accent1"/>
+          </a:effectRef>
+          <a:fontRef idx="minor">
+            <a:schemeClr val="lt1"/>
+          </a:fontRef>
+        </p:style>
+        <p:txBody>
+          <a:bodyPr anchor="ctr"/>
+          <a:p>
+            <a:pPr algn="ctr">
+              <a:defRPr/>
+            </a:pPr>
+            <a:endParaRPr lang="ko-KR" altLang="en-US"/>
+          </a:p>
+        </p:txBody>
+      </p:sp>
+      <p:sp>
+        <p:nvSpPr>
+          <p:cNvPr id="12" name=""/>
+          <p:cNvSpPr/>
+          <p:nvPr/>
+        </p:nvSpPr>
+        <p:spPr>
+          <a:xfrm>
+            <a:off x="4151757" y="1412748"/>
+            <a:ext cx="576072" cy="576072"/>
+          </a:xfrm>
+          <a:prstGeom prst="ellipse">
+            <a:avLst/>
+          </a:prstGeom>
+          <a:solidFill>
+            <a:schemeClr val="lt1"/>
+          </a:solidFill>
+          <a:ln>
+            <a:noFill/>
+          </a:ln>
+        </p:spPr>
+        <p:style>
+          <a:lnRef idx="2">
+            <a:schemeClr val="accent1">
+              <a:shade val="20000"/>
+            </a:schemeClr>
+          </a:lnRef>
+          <a:fillRef idx="1">
+            <a:schemeClr val="accent1"/>
+          </a:fillRef>
+          <a:effectRef idx="0">
+            <a:schemeClr val="accent1"/>
+          </a:effectRef>
+          <a:fontRef idx="minor">
+            <a:schemeClr val="lt1"/>
+          </a:fontRef>
+        </p:style>
+        <p:txBody>
+          <a:bodyPr anchor="ctr"/>
+          <a:p>
+            <a:pPr algn="ctr">
+              <a:defRPr/>
+            </a:pPr>
+            <a:endParaRPr lang="ko-KR" altLang="en-US"/>
+          </a:p>
+        </p:txBody>
+      </p:sp>
+      <p:sp>
+        <p:nvSpPr>
+          <p:cNvPr id="13" name=""/>
+          <p:cNvSpPr/>
+          <p:nvPr/>
+        </p:nvSpPr>
+        <p:spPr>
+          <a:xfrm>
+            <a:off x="3503676" y="1412748"/>
+            <a:ext cx="576072" cy="576072"/>
+          </a:xfrm>
+          <a:prstGeom prst="ellipse">
+            <a:avLst/>
+          </a:prstGeom>
+          <a:solidFill>
+            <a:schemeClr val="lt1"/>
+          </a:solidFill>
+          <a:ln>
+            <a:noFill/>
+          </a:ln>
+        </p:spPr>
+        <p:style>
+          <a:lnRef idx="2">
+            <a:schemeClr val="accent1">
+              <a:shade val="20000"/>
+            </a:schemeClr>
+          </a:lnRef>
+          <a:fillRef idx="1">
+            <a:schemeClr val="accent1"/>
+          </a:fillRef>
+          <a:effectRef idx="0">
+            <a:schemeClr val="accent1"/>
+          </a:effectRef>
+          <a:fontRef idx="minor">
+            <a:schemeClr val="lt1"/>
+          </a:fontRef>
+        </p:style>
+        <p:txBody>
+          <a:bodyPr anchor="ctr"/>
+          <a:p>
+            <a:pPr algn="ctr">
+              <a:defRPr/>
+            </a:pPr>
+            <a:endParaRPr lang="ko-KR" altLang="en-US"/>
+          </a:p>
+        </p:txBody>
+      </p:sp>
+      <p:sp>
+        <p:nvSpPr>
+          <p:cNvPr id="15" name=""/>
+          <p:cNvSpPr/>
+          <p:nvPr/>
+        </p:nvSpPr>
+        <p:spPr>
+          <a:xfrm>
+            <a:off x="2207514" y="1412748"/>
+            <a:ext cx="1296162" cy="1296162"/>
+          </a:xfrm>
+          <a:prstGeom prst="ellipse">
+            <a:avLst/>
+          </a:prstGeom>
+          <a:solidFill>
+            <a:schemeClr val="lt1"/>
+          </a:solidFill>
+          <a:ln>
+            <a:noFill/>
+          </a:ln>
+        </p:spPr>
+        <p:style>
+          <a:lnRef idx="2">
+            <a:schemeClr val="accent1">
+              <a:shade val="20000"/>
+            </a:schemeClr>
+          </a:lnRef>
+          <a:fillRef idx="1">
+            <a:schemeClr val="accent1"/>
+          </a:fillRef>
+          <a:effectRef idx="0">
+            <a:schemeClr val="accent1"/>
+          </a:effectRef>
+          <a:fontRef idx="minor">
+            <a:schemeClr val="lt1"/>
+          </a:fontRef>
+        </p:style>
+        <p:txBody>
+          <a:bodyPr anchor="ctr"/>
+          <a:p>
+            <a:pPr algn="ctr">
+              <a:defRPr/>
+            </a:pPr>
+            <a:endParaRPr lang="ko-KR" altLang="en-US"/>
+          </a:p>
+        </p:txBody>
+      </p:sp>
+    </p:spTree>
+  </p:cSld>
+  <p:clrMapOvr>
+    <a:masterClrMapping/>
+  </p:clrMapOvr>
+  <mc:AlternateContent xmlns:mc="http://schemas.openxmlformats.org/markup-compatibility/2006">
+    <mc:Choice xmlns:p14="http://schemas.microsoft.com/office/powerpoint/2010/main" Requires="p14">
+      <p:transition xmlns:mc="http://schemas.openxmlformats.org/markup-compatibility/2006" xmlns:p14="http://schemas.microsoft.com/office/powerpoint/2010/main" mc:Ignorable="p14" p14:dur="500"/>
+    </mc:Choice>
+    <mc:Fallback>
+      <p:transition/>
+    </mc:Fallback>
+  </mc:AlternateContent>
 </p:sld>
 </file>
 
@@ -4104,5 +4743,65 @@
       </a:bgFillStyleLst>
     </a:fmtScheme>
   </a:themeElements>
+  <a:objectDefaults>
+    <a:spDef>
+      <a:spPr>
+        <a:solidFill>
+          <a:schemeClr val="tx1"/>
+        </a:solidFill>
+        <a:ln>
+          <a:solidFill>
+            <a:schemeClr val="tx1"/>
+          </a:solidFill>
+        </a:ln>
+      </a:spPr>
+      <a:bodyPr anchor="ctr"/>
+      <a:lstStyle>
+        <a:defPPr algn="ctr">
+          <a:defRPr lang="ko-KR" altLang="en-US"/>
+        </a:defPPr>
+      </a:lstStyle>
+      <a:style>
+        <a:lnRef idx="2">
+          <a:schemeClr val="accent1">
+            <a:shade val="50000"/>
+          </a:schemeClr>
+        </a:lnRef>
+        <a:fillRef idx="1">
+          <a:schemeClr val="accent1"/>
+        </a:fillRef>
+        <a:effectRef idx="0">
+          <a:schemeClr val="accent1"/>
+        </a:effectRef>
+        <a:fontRef idx="minor">
+          <a:schemeClr val="lt1"/>
+        </a:fontRef>
+      </a:style>
+    </a:spDef>
+    <a:lnDef>
+      <a:spPr/>
+      <a:bodyPr/>
+      <a:lstStyle/>
+      <a:style>
+        <a:lnRef idx="1">
+          <a:schemeClr val="accent1"/>
+        </a:lnRef>
+        <a:fillRef idx="0">
+          <a:schemeClr val="accent1"/>
+        </a:fillRef>
+        <a:effectRef idx="0">
+          <a:schemeClr val="accent1"/>
+        </a:effectRef>
+        <a:fontRef idx="minor">
+          <a:schemeClr val="tx1"/>
+        </a:fontRef>
+      </a:style>
+    </a:lnDef>
+    <a:txDef>
+      <a:spPr/>
+      <a:bodyPr/>
+      <a:lstStyle/>
+    </a:txDef>
+  </a:objectDefaults>
 </a:theme>
 </file>
--- a/Img/프레젠테이션1.pptx
+++ b/Img/프레젠테이션1.pptx
@@ -2,7 +2,7 @@
 <file path=ppt/presentation.xml><?xml version="1.0" encoding="utf-8"?>
 <p:presentation xmlns:r="http://schemas.openxmlformats.org/officeDocument/2006/relationships" xmlns:c="http://schemas.openxmlformats.org/drawingml/2006/chart" xmlns:a="http://schemas.openxmlformats.org/drawingml/2006/main" xmlns:dgm="http://schemas.openxmlformats.org/drawingml/2006/diagram" xmlns:dsp="http://schemas.microsoft.com/office/drawing/2008/diagram" xmlns:p="http://schemas.openxmlformats.org/presentationml/2006/main">
   <p:sldMasterIdLst>
-    <p:sldMasterId id="2147483663" r:id="rId1"/>
+    <p:sldMasterId id="2147483661" r:id="rId1"/>
   </p:sldMasterIdLst>
   <p:sldIdLst>
     <p:sldId id="256" r:id="rId2"/>
@@ -3860,6 +3860,74 @@
             <a:miter/>
           </a:ln>
         </p:spPr>
+        <p:txBody>
+          <a:bodyPr anchor="ctr"/>
+          <a:p>
+            <a:pPr marL="0" indent="0" algn="ctr" defTabSz="914400" rtl="0" eaLnBrk="1" latinLnBrk="1" hangingPunct="1">
+              <a:lnSpc>
+                <a:spcPct val="100000"/>
+              </a:lnSpc>
+              <a:spcBef>
+                <a:spcPct val="0"/>
+              </a:spcBef>
+              <a:spcAft>
+                <a:spcPts val="0"/>
+              </a:spcAft>
+              <a:buNone/>
+              <a:defRPr/>
+            </a:pPr>
+            <a:endParaRPr xmlns:mc="http://schemas.openxmlformats.org/markup-compatibility/2006" xmlns:hp="http://schemas.haansoft.com/office/presentation/8.0" kumimoji="0" lang="ko-KR" altLang="en-US" sz="1800" b="0" i="0" u="none" strike="noStrike" kern="1200" cap="none" spc="0" normalizeH="0" baseline="0" mc:Ignorable="hp" hp:hslEmbossed="0">
+              <a:solidFill>
+                <a:srgbClr val="ffffff"/>
+              </a:solidFill>
+              <a:latin typeface="맑은 고딕"/>
+              <a:ea typeface="맑은 고딕"/>
+              <a:cs typeface="맑은 고딕"/>
+            </a:endParaRPr>
+          </a:p>
+        </p:txBody>
+      </p:sp>
+      <p:sp>
+        <p:nvSpPr>
+          <p:cNvPr id="14" name="직사각형 4"/>
+          <p:cNvSpPr/>
+          <p:nvPr/>
+        </p:nvSpPr>
+        <p:spPr>
+          <a:xfrm>
+            <a:off x="5880378" y="1412748"/>
+            <a:ext cx="719459" cy="719459"/>
+          </a:xfrm>
+          <a:prstGeom prst="triangle">
+            <a:avLst>
+              <a:gd name="adj" fmla="val 50000"/>
+            </a:avLst>
+          </a:prstGeom>
+          <a:solidFill>
+            <a:srgbClr val="ff0000"/>
+          </a:solidFill>
+          <a:ln>
+            <a:noFill/>
+            <a:headEnd w="med" len="med"/>
+            <a:tailEnd w="med" len="med"/>
+          </a:ln>
+        </p:spPr>
+        <p:style>
+          <a:lnRef idx="2">
+            <a:schemeClr val="accent2">
+              <a:shade val="20000"/>
+            </a:schemeClr>
+          </a:lnRef>
+          <a:fillRef idx="1">
+            <a:schemeClr val="accent2"/>
+          </a:fillRef>
+          <a:effectRef idx="0">
+            <a:schemeClr val="accent2"/>
+          </a:effectRef>
+          <a:fontRef idx="minor">
+            <a:schemeClr val="lt1"/>
+          </a:fontRef>
+        </p:style>
         <p:txBody>
           <a:bodyPr anchor="ctr"/>
           <a:p>

--- a/Img/프레젠테이션1.pptx
+++ b/Img/프레젠테이션1.pptx
@@ -2,12 +2,13 @@
 <file path=ppt/presentation.xml><?xml version="1.0" encoding="utf-8"?>
 <p:presentation xmlns:r="http://schemas.openxmlformats.org/officeDocument/2006/relationships" xmlns:c="http://schemas.openxmlformats.org/drawingml/2006/chart" xmlns:a="http://schemas.openxmlformats.org/drawingml/2006/main" xmlns:dgm="http://schemas.openxmlformats.org/drawingml/2006/diagram" xmlns:dsp="http://schemas.microsoft.com/office/drawing/2008/diagram" xmlns:p="http://schemas.openxmlformats.org/presentationml/2006/main">
   <p:sldMasterIdLst>
-    <p:sldMasterId id="2147483661" r:id="rId1"/>
+    <p:sldMasterId id="2147483662" r:id="rId1"/>
   </p:sldMasterIdLst>
   <p:sldIdLst>
     <p:sldId id="256" r:id="rId2"/>
     <p:sldId id="257" r:id="rId3"/>
     <p:sldId id="258" r:id="rId4"/>
+    <p:sldId id="259" r:id="rId5"/>
   </p:sldIdLst>
   <p:sldSz cx="12192000" cy="6858000"/>
   <p:notesSz cx="6858000" cy="9144000"/>
@@ -3955,6 +3956,56 @@
           </a:p>
         </p:txBody>
       </p:sp>
+      <p:sp>
+        <p:nvSpPr>
+          <p:cNvPr id="15" name="직사각형 4"/>
+          <p:cNvSpPr/>
+          <p:nvPr/>
+        </p:nvSpPr>
+        <p:spPr>
+          <a:xfrm>
+            <a:off x="6959928" y="1412928"/>
+            <a:ext cx="1440000" cy="1440000"/>
+          </a:xfrm>
+          <a:prstGeom prst="rtTriangle">
+            <a:avLst/>
+          </a:prstGeom>
+          <a:solidFill>
+            <a:schemeClr val="tx1"/>
+          </a:solidFill>
+          <a:ln>
+            <a:solidFill>
+              <a:schemeClr val="tx1"/>
+            </a:solidFill>
+          </a:ln>
+        </p:spPr>
+        <p:style>
+          <a:lnRef idx="2">
+            <a:schemeClr val="accent1">
+              <a:shade val="50000"/>
+            </a:schemeClr>
+          </a:lnRef>
+          <a:fillRef idx="1">
+            <a:schemeClr val="accent1"/>
+          </a:fillRef>
+          <a:effectRef idx="0">
+            <a:schemeClr val="accent1"/>
+          </a:effectRef>
+          <a:fontRef idx="minor">
+            <a:schemeClr val="lt1"/>
+          </a:fontRef>
+        </p:style>
+        <p:txBody>
+          <a:bodyPr anchor="ctr"/>
+          <a:lstStyle/>
+          <a:p>
+            <a:pPr algn="ctr">
+              <a:defRPr/>
+            </a:pPr>
+            <a:endParaRPr lang="ko-KR" altLang="en-US"/>
+          </a:p>
+        </p:txBody>
+      </p:sp>
     </p:spTree>
   </p:cSld>
   <p:clrMapOvr>
@@ -4507,6 +4558,431 @@
               <a:defRPr/>
             </a:pPr>
             <a:endParaRPr lang="ko-KR" altLang="en-US"/>
+          </a:p>
+        </p:txBody>
+      </p:sp>
+    </p:spTree>
+  </p:cSld>
+  <p:clrMapOvr>
+    <a:masterClrMapping/>
+  </p:clrMapOvr>
+  <mc:AlternateContent xmlns:mc="http://schemas.openxmlformats.org/markup-compatibility/2006">
+    <mc:Choice xmlns:p14="http://schemas.microsoft.com/office/powerpoint/2010/main" Requires="p14">
+      <p:transition xmlns:mc="http://schemas.openxmlformats.org/markup-compatibility/2006" xmlns:p14="http://schemas.microsoft.com/office/powerpoint/2010/main" mc:Ignorable="p14" p14:dur="500"/>
+    </mc:Choice>
+    <mc:Fallback>
+      <p:transition/>
+    </mc:Fallback>
+  </mc:AlternateContent>
+</p:sld>
+</file>
+
+<file path=ppt/slides/slide4.xml><?xml version="1.0" encoding="utf-8"?>
+<p:sld xmlns:r="http://schemas.openxmlformats.org/officeDocument/2006/relationships" xmlns:c="http://schemas.openxmlformats.org/drawingml/2006/chart" xmlns:a="http://schemas.openxmlformats.org/drawingml/2006/main" xmlns:dgm="http://schemas.openxmlformats.org/drawingml/2006/diagram" xmlns:dsp="http://schemas.microsoft.com/office/drawing/2008/diagram" xmlns:p="http://schemas.openxmlformats.org/presentationml/2006/main">
+  <p:cSld>
+    <p:spTree>
+      <p:nvGrpSpPr>
+        <p:cNvPr id="1" name=""/>
+        <p:cNvGrpSpPr/>
+        <p:nvPr/>
+      </p:nvGrpSpPr>
+      <p:grpSpPr>
+        <a:xfrm>
+          <a:off x="0" y="0"/>
+          <a:ext cx="0" cy="0"/>
+          <a:chOff x="0" y="0"/>
+          <a:chExt cx="0" cy="0"/>
+        </a:xfrm>
+      </p:grpSpPr>
+      <p:sp>
+        <p:nvSpPr>
+          <p:cNvPr id="4" name="직사각형 4"/>
+          <p:cNvSpPr/>
+          <p:nvPr/>
+        </p:nvSpPr>
+        <p:spPr>
+          <a:xfrm>
+            <a:off x="2207874" y="1844982"/>
+            <a:ext cx="1440000" cy="1440000"/>
+          </a:xfrm>
+          <a:prstGeom prst="rect">
+            <a:avLst/>
+          </a:prstGeom>
+          <a:solidFill>
+            <a:srgbClr val="000000">
+              <a:alpha val="100000"/>
+            </a:srgbClr>
+          </a:solidFill>
+          <a:ln w="12700" cap="flat" cmpd="sng" algn="ctr">
+            <a:solidFill>
+              <a:srgbClr val="000000">
+                <a:alpha val="100000"/>
+              </a:srgbClr>
+            </a:solidFill>
+            <a:prstDash val="solid"/>
+            <a:miter/>
+          </a:ln>
+        </p:spPr>
+        <p:txBody>
+          <a:bodyPr anchor="ctr"/>
+          <a:p>
+            <a:pPr marL="0" indent="0" algn="ctr" defTabSz="914400" rtl="0" eaLnBrk="1" latinLnBrk="1" hangingPunct="1">
+              <a:lnSpc>
+                <a:spcPct val="100000"/>
+              </a:lnSpc>
+              <a:spcBef>
+                <a:spcPct val="0"/>
+              </a:spcBef>
+              <a:spcAft>
+                <a:spcPts val="0"/>
+              </a:spcAft>
+              <a:buNone/>
+              <a:defRPr/>
+            </a:pPr>
+            <a:endParaRPr xmlns:mc="http://schemas.openxmlformats.org/markup-compatibility/2006" xmlns:hp="http://schemas.haansoft.com/office/presentation/8.0" kumimoji="0" lang="ko-KR" altLang="en-US" sz="1800" b="0" i="0" u="none" strike="noStrike" kern="1200" cap="none" spc="0" normalizeH="0" baseline="0" mc:Ignorable="hp" hp:hslEmbossed="0">
+              <a:solidFill>
+                <a:srgbClr val="ffffff"/>
+              </a:solidFill>
+              <a:latin typeface="맑은 고딕"/>
+              <a:ea typeface="맑은 고딕"/>
+              <a:cs typeface="맑은 고딕"/>
+            </a:endParaRPr>
+          </a:p>
+        </p:txBody>
+      </p:sp>
+      <p:sp>
+        <p:nvSpPr>
+          <p:cNvPr id="5" name="직사각형 4"/>
+          <p:cNvSpPr/>
+          <p:nvPr/>
+        </p:nvSpPr>
+        <p:spPr>
+          <a:xfrm rot="5400000">
+            <a:off x="3647874" y="1844982"/>
+            <a:ext cx="1440000" cy="1440000"/>
+          </a:xfrm>
+          <a:prstGeom prst="rtTriangle">
+            <a:avLst/>
+          </a:prstGeom>
+          <a:solidFill>
+            <a:srgbClr val="000000">
+              <a:alpha val="100000"/>
+            </a:srgbClr>
+          </a:solidFill>
+          <a:ln w="12700" cap="flat" cmpd="sng" algn="ctr">
+            <a:solidFill>
+              <a:srgbClr val="000000">
+                <a:alpha val="100000"/>
+              </a:srgbClr>
+            </a:solidFill>
+            <a:prstDash val="solid"/>
+            <a:miter/>
+          </a:ln>
+        </p:spPr>
+        <p:txBody>
+          <a:bodyPr anchor="ctr"/>
+          <a:p>
+            <a:pPr marL="0" indent="0" algn="ctr" defTabSz="914400" rtl="0" eaLnBrk="1" latinLnBrk="1" hangingPunct="1">
+              <a:lnSpc>
+                <a:spcPct val="100000"/>
+              </a:lnSpc>
+              <a:spcBef>
+                <a:spcPct val="0"/>
+              </a:spcBef>
+              <a:spcAft>
+                <a:spcPts val="0"/>
+              </a:spcAft>
+              <a:buNone/>
+              <a:defRPr/>
+            </a:pPr>
+            <a:endParaRPr xmlns:mc="http://schemas.openxmlformats.org/markup-compatibility/2006" xmlns:hp="http://schemas.haansoft.com/office/presentation/8.0" kumimoji="0" lang="ko-KR" altLang="en-US" sz="1800" b="0" i="0" u="none" strike="noStrike" kern="1200" cap="none" spc="0" normalizeH="0" baseline="0" mc:Ignorable="hp" hp:hslEmbossed="0">
+              <a:solidFill>
+                <a:srgbClr val="ffffff"/>
+              </a:solidFill>
+              <a:latin typeface="맑은 고딕"/>
+              <a:ea typeface="맑은 고딕"/>
+              <a:cs typeface="맑은 고딕"/>
+            </a:endParaRPr>
+          </a:p>
+        </p:txBody>
+      </p:sp>
+      <p:sp>
+        <p:nvSpPr>
+          <p:cNvPr id="8" name="직사각형 4"/>
+          <p:cNvSpPr/>
+          <p:nvPr/>
+        </p:nvSpPr>
+        <p:spPr>
+          <a:xfrm rot="5400000">
+            <a:off x="5087874" y="1844982"/>
+            <a:ext cx="1440000" cy="1440000"/>
+          </a:xfrm>
+          <a:prstGeom prst="rtTriangle">
+            <a:avLst/>
+          </a:prstGeom>
+          <a:solidFill>
+            <a:srgbClr val="000000">
+              <a:alpha val="100000"/>
+            </a:srgbClr>
+          </a:solidFill>
+          <a:ln w="12700" cap="flat" cmpd="sng" algn="ctr">
+            <a:solidFill>
+              <a:srgbClr val="000000">
+                <a:alpha val="100000"/>
+              </a:srgbClr>
+            </a:solidFill>
+            <a:prstDash val="solid"/>
+            <a:miter/>
+          </a:ln>
+        </p:spPr>
+        <p:txBody>
+          <a:bodyPr anchor="ctr"/>
+          <a:p>
+            <a:pPr marL="0" indent="0" algn="ctr" defTabSz="914400" rtl="0" eaLnBrk="1" latinLnBrk="1" hangingPunct="1">
+              <a:lnSpc>
+                <a:spcPct val="100000"/>
+              </a:lnSpc>
+              <a:spcBef>
+                <a:spcPct val="0"/>
+              </a:spcBef>
+              <a:spcAft>
+                <a:spcPts val="0"/>
+              </a:spcAft>
+              <a:buNone/>
+              <a:defRPr/>
+            </a:pPr>
+            <a:endParaRPr xmlns:mc="http://schemas.openxmlformats.org/markup-compatibility/2006" xmlns:hp="http://schemas.haansoft.com/office/presentation/8.0" kumimoji="0" lang="ko-KR" altLang="en-US" sz="1800" b="0" i="0" u="none" strike="noStrike" kern="1200" cap="none" spc="0" normalizeH="0" baseline="0" mc:Ignorable="hp" hp:hslEmbossed="0">
+              <a:solidFill>
+                <a:srgbClr val="ffffff"/>
+              </a:solidFill>
+              <a:latin typeface="맑은 고딕"/>
+              <a:ea typeface="맑은 고딕"/>
+              <a:cs typeface="맑은 고딕"/>
+            </a:endParaRPr>
+          </a:p>
+        </p:txBody>
+      </p:sp>
+      <p:sp>
+        <p:nvSpPr>
+          <p:cNvPr id="9" name="직사각형 4"/>
+          <p:cNvSpPr/>
+          <p:nvPr/>
+        </p:nvSpPr>
+        <p:spPr>
+          <a:xfrm rot="16200000" flipH="1">
+            <a:off x="5087874" y="1844982"/>
+            <a:ext cx="1440000" cy="1440000"/>
+          </a:xfrm>
+          <a:prstGeom prst="rtTriangle">
+            <a:avLst/>
+          </a:prstGeom>
+          <a:solidFill>
+            <a:srgbClr val="000000">
+              <a:alpha val="100000"/>
+            </a:srgbClr>
+          </a:solidFill>
+          <a:ln w="12700" cap="flat" cmpd="sng" algn="ctr">
+            <a:solidFill>
+              <a:srgbClr val="000000">
+                <a:alpha val="100000"/>
+              </a:srgbClr>
+            </a:solidFill>
+            <a:prstDash val="solid"/>
+            <a:miter/>
+          </a:ln>
+        </p:spPr>
+        <p:txBody>
+          <a:bodyPr anchor="ctr"/>
+          <a:p>
+            <a:pPr marL="0" indent="0" algn="ctr" defTabSz="914400" rtl="0" eaLnBrk="1" latinLnBrk="1" hangingPunct="1">
+              <a:lnSpc>
+                <a:spcPct val="100000"/>
+              </a:lnSpc>
+              <a:spcBef>
+                <a:spcPct val="0"/>
+              </a:spcBef>
+              <a:spcAft>
+                <a:spcPts val="0"/>
+              </a:spcAft>
+              <a:buNone/>
+              <a:defRPr/>
+            </a:pPr>
+            <a:endParaRPr xmlns:mc="http://schemas.openxmlformats.org/markup-compatibility/2006" xmlns:hp="http://schemas.haansoft.com/office/presentation/8.0" kumimoji="0" lang="ko-KR" altLang="en-US" sz="1800" b="0" i="0" u="none" strike="noStrike" kern="1200" cap="none" spc="0" normalizeH="0" baseline="0" mc:Ignorable="hp" hp:hslEmbossed="0">
+              <a:solidFill>
+                <a:srgbClr val="ffffff"/>
+              </a:solidFill>
+              <a:latin typeface="맑은 고딕"/>
+              <a:ea typeface="맑은 고딕"/>
+              <a:cs typeface="맑은 고딕"/>
+            </a:endParaRPr>
+          </a:p>
+        </p:txBody>
+      </p:sp>
+      <p:sp>
+        <p:nvSpPr>
+          <p:cNvPr id="10" name="직사각형 4"/>
+          <p:cNvSpPr/>
+          <p:nvPr/>
+        </p:nvSpPr>
+        <p:spPr>
+          <a:xfrm rot="5400000">
+            <a:off x="6167829" y="2204937"/>
+            <a:ext cx="1440000" cy="720090"/>
+          </a:xfrm>
+          <a:prstGeom prst="rtTriangle">
+            <a:avLst/>
+          </a:prstGeom>
+          <a:solidFill>
+            <a:srgbClr val="000000">
+              <a:alpha val="100000"/>
+            </a:srgbClr>
+          </a:solidFill>
+          <a:ln w="12700" cap="flat" cmpd="sng" algn="ctr">
+            <a:solidFill>
+              <a:srgbClr val="000000">
+                <a:alpha val="100000"/>
+              </a:srgbClr>
+            </a:solidFill>
+            <a:prstDash val="solid"/>
+            <a:miter/>
+          </a:ln>
+        </p:spPr>
+        <p:txBody>
+          <a:bodyPr anchor="ctr"/>
+          <a:p>
+            <a:pPr marL="0" indent="0" algn="ctr" defTabSz="914400" rtl="0" eaLnBrk="1" latinLnBrk="1" hangingPunct="1">
+              <a:lnSpc>
+                <a:spcPct val="100000"/>
+              </a:lnSpc>
+              <a:spcBef>
+                <a:spcPct val="0"/>
+              </a:spcBef>
+              <a:spcAft>
+                <a:spcPts val="0"/>
+              </a:spcAft>
+              <a:buNone/>
+              <a:defRPr/>
+            </a:pPr>
+            <a:endParaRPr xmlns:mc="http://schemas.openxmlformats.org/markup-compatibility/2006" xmlns:hp="http://schemas.haansoft.com/office/presentation/8.0" kumimoji="0" lang="ko-KR" altLang="en-US" sz="1800" b="0" i="0" u="none" strike="noStrike" kern="1200" cap="none" spc="0" normalizeH="0" baseline="0" mc:Ignorable="hp" hp:hslEmbossed="0">
+              <a:solidFill>
+                <a:srgbClr val="ffffff"/>
+              </a:solidFill>
+              <a:latin typeface="맑은 고딕"/>
+              <a:ea typeface="맑은 고딕"/>
+              <a:cs typeface="맑은 고딕"/>
+            </a:endParaRPr>
+          </a:p>
+        </p:txBody>
+      </p:sp>
+      <p:sp>
+        <p:nvSpPr>
+          <p:cNvPr id="11" name="직사각형 4"/>
+          <p:cNvSpPr/>
+          <p:nvPr/>
+        </p:nvSpPr>
+        <p:spPr>
+          <a:xfrm rot="16200000" flipH="1">
+            <a:off x="6887919" y="2204937"/>
+            <a:ext cx="1440000" cy="720090"/>
+          </a:xfrm>
+          <a:prstGeom prst="rtTriangle">
+            <a:avLst/>
+          </a:prstGeom>
+          <a:solidFill>
+            <a:srgbClr val="000000">
+              <a:alpha val="100000"/>
+            </a:srgbClr>
+          </a:solidFill>
+          <a:ln w="12700" cap="flat" cmpd="sng" algn="ctr">
+            <a:solidFill>
+              <a:srgbClr val="000000">
+                <a:alpha val="100000"/>
+              </a:srgbClr>
+            </a:solidFill>
+            <a:prstDash val="solid"/>
+            <a:miter/>
+          </a:ln>
+        </p:spPr>
+        <p:txBody>
+          <a:bodyPr anchor="ctr"/>
+          <a:p>
+            <a:pPr marL="0" indent="0" algn="ctr" defTabSz="914400" rtl="0" eaLnBrk="1" latinLnBrk="1" hangingPunct="1">
+              <a:lnSpc>
+                <a:spcPct val="100000"/>
+              </a:lnSpc>
+              <a:spcBef>
+                <a:spcPct val="0"/>
+              </a:spcBef>
+              <a:spcAft>
+                <a:spcPts val="0"/>
+              </a:spcAft>
+              <a:buNone/>
+              <a:defRPr/>
+            </a:pPr>
+            <a:endParaRPr xmlns:mc="http://schemas.openxmlformats.org/markup-compatibility/2006" xmlns:hp="http://schemas.haansoft.com/office/presentation/8.0" kumimoji="0" lang="ko-KR" altLang="en-US" sz="1800" b="0" i="0" u="none" strike="noStrike" kern="1200" cap="none" spc="0" normalizeH="0" baseline="0" mc:Ignorable="hp" hp:hslEmbossed="0">
+              <a:solidFill>
+                <a:srgbClr val="ffffff"/>
+              </a:solidFill>
+              <a:latin typeface="맑은 고딕"/>
+              <a:ea typeface="맑은 고딕"/>
+              <a:cs typeface="맑은 고딕"/>
+            </a:endParaRPr>
+          </a:p>
+        </p:txBody>
+      </p:sp>
+      <p:sp>
+        <p:nvSpPr>
+          <p:cNvPr id="14" name="직사각형 4"/>
+          <p:cNvSpPr/>
+          <p:nvPr/>
+        </p:nvSpPr>
+        <p:spPr>
+          <a:xfrm rot="16200000" flipH="1">
+            <a:off x="8327919" y="2204937"/>
+            <a:ext cx="1440000" cy="720090"/>
+          </a:xfrm>
+          <a:prstGeom prst="rtTriangle">
+            <a:avLst/>
+          </a:prstGeom>
+          <a:solidFill>
+            <a:srgbClr val="000000">
+              <a:alpha val="100000"/>
+            </a:srgbClr>
+          </a:solidFill>
+          <a:ln w="12700" cap="flat" cmpd="sng" algn="ctr">
+            <a:solidFill>
+              <a:srgbClr val="000000">
+                <a:alpha val="100000"/>
+              </a:srgbClr>
+            </a:solidFill>
+            <a:prstDash val="solid"/>
+            <a:miter/>
+          </a:ln>
+        </p:spPr>
+        <p:txBody>
+          <a:bodyPr anchor="ctr"/>
+          <a:p>
+            <a:pPr marL="0" indent="0" algn="ctr" defTabSz="914400" rtl="0" eaLnBrk="1" latinLnBrk="1" hangingPunct="1">
+              <a:lnSpc>
+                <a:spcPct val="100000"/>
+              </a:lnSpc>
+              <a:spcBef>
+                <a:spcPct val="0"/>
+              </a:spcBef>
+              <a:spcAft>
+                <a:spcPts val="0"/>
+              </a:spcAft>
+              <a:buNone/>
+              <a:defRPr/>
+            </a:pPr>
+            <a:endParaRPr xmlns:mc="http://schemas.openxmlformats.org/markup-compatibility/2006" xmlns:hp="http://schemas.haansoft.com/office/presentation/8.0" kumimoji="0" lang="ko-KR" altLang="en-US" sz="1800" b="0" i="0" u="none" strike="noStrike" kern="1200" cap="none" spc="0" normalizeH="0" baseline="0" mc:Ignorable="hp" hp:hslEmbossed="0">
+              <a:solidFill>
+                <a:srgbClr val="ffffff"/>
+              </a:solidFill>
+              <a:latin typeface="맑은 고딕"/>
+              <a:ea typeface="맑은 고딕"/>
+              <a:cs typeface="맑은 고딕"/>
+            </a:endParaRPr>
           </a:p>
         </p:txBody>
       </p:sp>

--- a/Img/프레젠테이션1.pptx
+++ b/Img/프레젠테이션1.pptx
@@ -3333,18 +3333,16 @@
         <p:spPr>
           <a:xfrm>
             <a:off x="2639568" y="1412748"/>
-            <a:ext cx="1440000" cy="1440000"/>
+            <a:ext cx="1800225" cy="1800225"/>
           </a:xfrm>
           <a:prstGeom prst="ellipse">
             <a:avLst/>
           </a:prstGeom>
           <a:solidFill>
-            <a:schemeClr val="tx1"/>
+            <a:schemeClr val="lt1"/>
           </a:solidFill>
           <a:ln>
-            <a:solidFill>
-              <a:schemeClr val="tx1"/>
-            </a:solidFill>
+            <a:noFill/>
           </a:ln>
         </p:spPr>
         <p:style>
@@ -3383,7 +3381,7 @@
         <p:spPr>
           <a:xfrm>
             <a:off x="2639568" y="2852973"/>
-            <a:ext cx="720000" cy="360000"/>
+            <a:ext cx="900112" cy="450056"/>
           </a:xfrm>
           <a:custGeom>
             <a:avLst/>
@@ -3435,12 +3433,10 @@
             </a:pathLst>
           </a:custGeom>
           <a:solidFill>
-            <a:schemeClr val="tx1"/>
+            <a:schemeClr val="lt1"/>
           </a:solidFill>
           <a:ln>
-            <a:solidFill>
-              <a:schemeClr val="tx1"/>
-            </a:solidFill>
+            <a:noFill/>
           </a:ln>
         </p:spPr>
         <p:style>
@@ -3533,12 +3529,10 @@
             </a:pathLst>
           </a:custGeom>
           <a:solidFill>
-            <a:schemeClr val="tx1"/>
+            <a:schemeClr val="lt1"/>
           </a:solidFill>
           <a:ln>
-            <a:solidFill>
-              <a:schemeClr val="tx1"/>
-            </a:solidFill>
+            <a:noFill/>
           </a:ln>
         </p:spPr>
         <p:style>
@@ -5291,15 +5285,15 @@
     <a:spDef>
       <a:spPr>
         <a:solidFill>
-          <a:schemeClr val="tx1"/>
+          <a:schemeClr val="lt1"/>
         </a:solidFill>
         <a:ln>
-          <a:solidFill>
-            <a:schemeClr val="tx1"/>
-          </a:solidFill>
+          <a:noFill/>
         </a:ln>
       </a:spPr>
-      <a:bodyPr anchor="ctr"/>
+      <a:bodyPr wrap="square" anchor="ctr">
+        <a:noAutofit/>
+      </a:bodyPr>
       <a:lstStyle>
         <a:defPPr algn="ctr">
           <a:defRPr lang="ko-KR" altLang="en-US"/>

--- a/Img/프레젠테이션1.pptx
+++ b/Img/프레젠테이션1.pptx
@@ -2,7 +2,7 @@
 <file path=ppt/presentation.xml><?xml version="1.0" encoding="utf-8"?>
 <p:presentation xmlns:r="http://schemas.openxmlformats.org/officeDocument/2006/relationships" xmlns:c="http://schemas.openxmlformats.org/drawingml/2006/chart" xmlns:a="http://schemas.openxmlformats.org/drawingml/2006/main" xmlns:dgm="http://schemas.openxmlformats.org/drawingml/2006/diagram" xmlns:dsp="http://schemas.microsoft.com/office/drawing/2008/diagram" xmlns:p="http://schemas.openxmlformats.org/presentationml/2006/main">
   <p:sldMasterIdLst>
-    <p:sldMasterId id="2147483662" r:id="rId1"/>
+    <p:sldMasterId id="2147483667" r:id="rId1"/>
   </p:sldMasterIdLst>
   <p:sldIdLst>
     <p:sldId id="256" r:id="rId2"/>
@@ -4462,6 +4462,213 @@
           </a:p>
         </p:txBody>
       </p:sp>
+      <p:sp>
+        <p:nvSpPr>
+          <p:cNvPr id="20" name=""/>
+          <p:cNvSpPr/>
+          <p:nvPr/>
+        </p:nvSpPr>
+        <p:spPr>
+          <a:xfrm>
+            <a:off x="7320153" y="3068955"/>
+            <a:ext cx="180022" cy="720090"/>
+          </a:xfrm>
+          <a:prstGeom prst="rect">
+            <a:avLst/>
+          </a:prstGeom>
+          <a:solidFill>
+            <a:srgbClr val="000000">
+              <a:alpha val="40000"/>
+            </a:srgbClr>
+          </a:solidFill>
+          <a:ln>
+            <a:noFill/>
+          </a:ln>
+        </p:spPr>
+        <p:style>
+          <a:lnRef idx="2">
+            <a:schemeClr val="accent1">
+              <a:shade val="50000"/>
+            </a:schemeClr>
+          </a:lnRef>
+          <a:fillRef idx="1">
+            <a:schemeClr val="accent1"/>
+          </a:fillRef>
+          <a:effectRef idx="0">
+            <a:schemeClr val="accent1"/>
+          </a:effectRef>
+          <a:fontRef idx="minor">
+            <a:schemeClr val="lt1"/>
+          </a:fontRef>
+        </p:style>
+        <p:txBody>
+          <a:bodyPr wrap="square" anchor="ctr">
+            <a:noAutofit/>
+          </a:bodyPr>
+          <a:p>
+            <a:pPr algn="ctr">
+              <a:defRPr/>
+            </a:pPr>
+            <a:endParaRPr lang="ko-KR" altLang="en-US">
+              <a:solidFill>
+                <a:schemeClr val="tx1"/>
+              </a:solidFill>
+            </a:endParaRPr>
+          </a:p>
+        </p:txBody>
+      </p:sp>
+      <p:sp>
+        <p:nvSpPr>
+          <p:cNvPr id="21" name=""/>
+          <p:cNvSpPr/>
+          <p:nvPr/>
+        </p:nvSpPr>
+        <p:spPr>
+          <a:xfrm>
+            <a:off x="7752207" y="3068955"/>
+            <a:ext cx="180022" cy="720090"/>
+          </a:xfrm>
+          <a:prstGeom prst="rect">
+            <a:avLst/>
+          </a:prstGeom>
+          <a:solidFill>
+            <a:srgbClr val="000000">
+              <a:alpha val="39610"/>
+            </a:srgbClr>
+          </a:solidFill>
+          <a:ln w="12700" cap="flat" cmpd="sng" algn="ctr">
+            <a:noFill/>
+            <a:prstDash val="solid"/>
+            <a:miter/>
+          </a:ln>
+        </p:spPr>
+        <p:txBody>
+          <a:bodyPr wrap="square" anchor="ctr">
+            <a:noAutofit/>
+          </a:bodyPr>
+          <a:p>
+            <a:pPr marL="0" indent="0" algn="ctr" defTabSz="914400" rtl="0" eaLnBrk="1" latinLnBrk="1" hangingPunct="1">
+              <a:lnSpc>
+                <a:spcPct val="100000"/>
+              </a:lnSpc>
+              <a:spcBef>
+                <a:spcPct val="0"/>
+              </a:spcBef>
+              <a:spcAft>
+                <a:spcPts val="0"/>
+              </a:spcAft>
+              <a:buNone/>
+              <a:defRPr/>
+            </a:pPr>
+            <a:endParaRPr xmlns:mc="http://schemas.openxmlformats.org/markup-compatibility/2006" xmlns:hp="http://schemas.haansoft.com/office/presentation/8.0" kumimoji="0" lang="ko-KR" altLang="en-US" sz="1800" b="0" i="0" u="none" strike="noStrike" kern="1200" cap="none" spc="0" normalizeH="0" baseline="0" mc:Ignorable="hp" hp:hslEmbossed="0">
+              <a:solidFill>
+                <a:srgbClr val="000000"/>
+              </a:solidFill>
+              <a:latin typeface="맑은 고딕"/>
+              <a:ea typeface="맑은 고딕"/>
+              <a:cs typeface="맑은 고딕"/>
+            </a:endParaRPr>
+          </a:p>
+        </p:txBody>
+      </p:sp>
+      <p:sp>
+        <p:nvSpPr>
+          <p:cNvPr id="22" name=""/>
+          <p:cNvSpPr/>
+          <p:nvPr/>
+        </p:nvSpPr>
+        <p:spPr>
+          <a:xfrm>
+            <a:off x="2207514" y="3573018"/>
+            <a:ext cx="1296162" cy="1296162"/>
+          </a:xfrm>
+          <a:prstGeom prst="ellipse">
+            <a:avLst/>
+          </a:prstGeom>
+          <a:solidFill>
+            <a:schemeClr val="dk1">
+              <a:alpha val="40000"/>
+            </a:schemeClr>
+          </a:solidFill>
+          <a:ln>
+            <a:noFill/>
+          </a:ln>
+        </p:spPr>
+        <p:style>
+          <a:lnRef idx="2">
+            <a:schemeClr val="accent1">
+              <a:shade val="20000"/>
+            </a:schemeClr>
+          </a:lnRef>
+          <a:fillRef idx="1">
+            <a:schemeClr val="accent1"/>
+          </a:fillRef>
+          <a:effectRef idx="0">
+            <a:schemeClr val="accent1"/>
+          </a:effectRef>
+          <a:fontRef idx="minor">
+            <a:schemeClr val="lt1"/>
+          </a:fontRef>
+        </p:style>
+        <p:txBody>
+          <a:bodyPr anchor="ctr"/>
+          <a:p>
+            <a:pPr algn="ctr">
+              <a:defRPr/>
+            </a:pPr>
+            <a:endParaRPr lang="ko-KR" altLang="en-US"/>
+          </a:p>
+        </p:txBody>
+      </p:sp>
+      <p:sp>
+        <p:nvSpPr>
+          <p:cNvPr id="24" name=""/>
+          <p:cNvSpPr/>
+          <p:nvPr/>
+        </p:nvSpPr>
+        <p:spPr>
+          <a:xfrm>
+            <a:off x="5267896" y="3429000"/>
+            <a:ext cx="576072" cy="576072"/>
+          </a:xfrm>
+          <a:prstGeom prst="ellipse">
+            <a:avLst/>
+          </a:prstGeom>
+          <a:solidFill>
+            <a:schemeClr val="dk1">
+              <a:alpha val="40000"/>
+            </a:schemeClr>
+          </a:solidFill>
+          <a:ln>
+            <a:noFill/>
+          </a:ln>
+        </p:spPr>
+        <p:style>
+          <a:lnRef idx="2">
+            <a:schemeClr val="accent1">
+              <a:shade val="20000"/>
+            </a:schemeClr>
+          </a:lnRef>
+          <a:fillRef idx="1">
+            <a:schemeClr val="accent1"/>
+          </a:fillRef>
+          <a:effectRef idx="0">
+            <a:schemeClr val="accent1"/>
+          </a:effectRef>
+          <a:fontRef idx="minor">
+            <a:schemeClr val="lt1"/>
+          </a:fontRef>
+        </p:style>
+        <p:txBody>
+          <a:bodyPr anchor="ctr"/>
+          <a:p>
+            <a:pPr algn="ctr">
+              <a:defRPr/>
+            </a:pPr>
+            <a:endParaRPr lang="ko-KR" altLang="en-US"/>
+          </a:p>
+        </p:txBody>
+      </p:sp>
     </p:spTree>
   </p:cSld>
   <p:clrMapOvr>
@@ -5285,15 +5492,15 @@
     <a:spDef>
       <a:spPr>
         <a:solidFill>
-          <a:schemeClr val="lt1"/>
+          <a:schemeClr val="dk1">
+            <a:alpha val="40000"/>
+          </a:schemeClr>
         </a:solidFill>
         <a:ln>
           <a:noFill/>
         </a:ln>
       </a:spPr>
-      <a:bodyPr wrap="square" anchor="ctr">
-        <a:noAutofit/>
-      </a:bodyPr>
+      <a:bodyPr anchor="ctr"/>
       <a:lstStyle>
         <a:defPPr algn="ctr">
           <a:defRPr lang="ko-KR" altLang="en-US"/>
@@ -5302,7 +5509,7 @@
       <a:style>
         <a:lnRef idx="2">
           <a:schemeClr val="accent1">
-            <a:shade val="50000"/>
+            <a:shade val="20000"/>
           </a:schemeClr>
         </a:lnRef>
         <a:fillRef idx="1">

--- a/Img/프레젠테이션1.pptx
+++ b/Img/프레젠테이션1.pptx
@@ -2,7 +2,7 @@
 <file path=ppt/presentation.xml><?xml version="1.0" encoding="utf-8"?>
 <p:presentation xmlns:r="http://schemas.openxmlformats.org/officeDocument/2006/relationships" xmlns:c="http://schemas.openxmlformats.org/drawingml/2006/chart" xmlns:a="http://schemas.openxmlformats.org/drawingml/2006/main" xmlns:dgm="http://schemas.openxmlformats.org/drawingml/2006/diagram" xmlns:dsp="http://schemas.microsoft.com/office/drawing/2008/diagram" xmlns:p="http://schemas.openxmlformats.org/presentationml/2006/main">
   <p:sldMasterIdLst>
-    <p:sldMasterId id="2147483667" r:id="rId1"/>
+    <p:sldMasterId id="2147483661" r:id="rId1"/>
   </p:sldMasterIdLst>
   <p:sldIdLst>
     <p:sldId id="256" r:id="rId2"/>
@@ -3333,13 +3333,13 @@
         <p:spPr>
           <a:xfrm>
             <a:off x="2639568" y="1412748"/>
-            <a:ext cx="1800225" cy="1800225"/>
+            <a:ext cx="1440360" cy="1440360"/>
           </a:xfrm>
           <a:prstGeom prst="ellipse">
             <a:avLst/>
           </a:prstGeom>
           <a:solidFill>
-            <a:schemeClr val="lt1"/>
+            <a:schemeClr val="dk1"/>
           </a:solidFill>
           <a:ln>
             <a:noFill/>
@@ -3381,7 +3381,7 @@
         <p:spPr>
           <a:xfrm>
             <a:off x="2639568" y="2852973"/>
-            <a:ext cx="900112" cy="450056"/>
+            <a:ext cx="720090" cy="360045"/>
           </a:xfrm>
           <a:custGeom>
             <a:avLst/>
@@ -3971,6 +3971,101 @@
             <a:solidFill>
               <a:schemeClr val="tx1"/>
             </a:solidFill>
+          </a:ln>
+        </p:spPr>
+        <p:style>
+          <a:lnRef idx="2">
+            <a:schemeClr val="accent1">
+              <a:shade val="50000"/>
+            </a:schemeClr>
+          </a:lnRef>
+          <a:fillRef idx="1">
+            <a:schemeClr val="accent1"/>
+          </a:fillRef>
+          <a:effectRef idx="0">
+            <a:schemeClr val="accent1"/>
+          </a:effectRef>
+          <a:fontRef idx="minor">
+            <a:schemeClr val="lt1"/>
+          </a:fontRef>
+        </p:style>
+        <p:txBody>
+          <a:bodyPr anchor="ctr"/>
+          <a:lstStyle/>
+          <a:p>
+            <a:pPr algn="ctr">
+              <a:defRPr/>
+            </a:pPr>
+            <a:endParaRPr lang="ko-KR" altLang="en-US"/>
+          </a:p>
+        </p:txBody>
+      </p:sp>
+      <p:sp>
+        <p:nvSpPr>
+          <p:cNvPr id="17" name=""/>
+          <p:cNvSpPr/>
+          <p:nvPr/>
+        </p:nvSpPr>
+        <p:spPr>
+          <a:xfrm rot="2700000">
+            <a:off x="2999567" y="1263090"/>
+            <a:ext cx="719999" cy="719999"/>
+          </a:xfrm>
+          <a:prstGeom prst="pieWedge">
+            <a:avLst/>
+          </a:prstGeom>
+          <a:solidFill>
+            <a:srgbClr val="808080"/>
+          </a:solidFill>
+          <a:ln>
+            <a:noFill/>
+          </a:ln>
+        </p:spPr>
+        <p:style>
+          <a:lnRef idx="2">
+            <a:schemeClr val="accent1">
+              <a:shade val="20000"/>
+            </a:schemeClr>
+          </a:lnRef>
+          <a:fillRef idx="1">
+            <a:schemeClr val="accent1"/>
+          </a:fillRef>
+          <a:effectRef idx="0">
+            <a:schemeClr val="accent1"/>
+          </a:effectRef>
+          <a:fontRef idx="minor">
+            <a:schemeClr val="lt1"/>
+          </a:fontRef>
+        </p:style>
+        <p:txBody>
+          <a:bodyPr anchor="ctr"/>
+          <a:p>
+            <a:pPr algn="ctr">
+              <a:defRPr/>
+            </a:pPr>
+            <a:endParaRPr lang="ko-KR" altLang="en-US"/>
+          </a:p>
+        </p:txBody>
+      </p:sp>
+      <p:sp>
+        <p:nvSpPr>
+          <p:cNvPr id="16" name="타원 3"/>
+          <p:cNvSpPr/>
+          <p:nvPr/>
+        </p:nvSpPr>
+        <p:spPr>
+          <a:xfrm>
+            <a:off x="2999613" y="1772252"/>
+            <a:ext cx="719909" cy="719909"/>
+          </a:xfrm>
+          <a:prstGeom prst="ellipse">
+            <a:avLst/>
+          </a:prstGeom>
+          <a:solidFill>
+            <a:schemeClr val="lt1"/>
+          </a:solidFill>
+          <a:ln>
+            <a:noFill/>
           </a:ln>
         </p:spPr>
         <p:style>

--- a/Img/프레젠테이션1.pptx
+++ b/Img/프레젠테이션1.pptx
@@ -3326,54 +3326,6 @@
       </p:grpSpPr>
       <p:sp>
         <p:nvSpPr>
-          <p:cNvPr id="4" name="타원 3"/>
-          <p:cNvSpPr/>
-          <p:nvPr/>
-        </p:nvSpPr>
-        <p:spPr>
-          <a:xfrm>
-            <a:off x="2639568" y="1412748"/>
-            <a:ext cx="1440360" cy="1440360"/>
-          </a:xfrm>
-          <a:prstGeom prst="ellipse">
-            <a:avLst/>
-          </a:prstGeom>
-          <a:solidFill>
-            <a:schemeClr val="dk1"/>
-          </a:solidFill>
-          <a:ln>
-            <a:noFill/>
-          </a:ln>
-        </p:spPr>
-        <p:style>
-          <a:lnRef idx="2">
-            <a:schemeClr val="accent1">
-              <a:shade val="50000"/>
-            </a:schemeClr>
-          </a:lnRef>
-          <a:fillRef idx="1">
-            <a:schemeClr val="accent1"/>
-          </a:fillRef>
-          <a:effectRef idx="0">
-            <a:schemeClr val="accent1"/>
-          </a:effectRef>
-          <a:fontRef idx="minor">
-            <a:schemeClr val="lt1"/>
-          </a:fontRef>
-        </p:style>
-        <p:txBody>
-          <a:bodyPr anchor="ctr"/>
-          <a:lstStyle/>
-          <a:p>
-            <a:pPr algn="ctr">
-              <a:defRPr/>
-            </a:pPr>
-            <a:endParaRPr lang="ko-KR" altLang="en-US"/>
-          </a:p>
-        </p:txBody>
-      </p:sp>
-      <p:sp>
-        <p:nvSpPr>
           <p:cNvPr id="7" name="자유형: 도형 6"/>
           <p:cNvSpPr/>
           <p:nvPr/>
@@ -3381,7 +3333,7 @@
         <p:spPr>
           <a:xfrm>
             <a:off x="2639568" y="2852973"/>
-            <a:ext cx="720090" cy="360045"/>
+            <a:ext cx="900112" cy="450056"/>
           </a:xfrm>
           <a:custGeom>
             <a:avLst/>
@@ -4000,101 +3952,166 @@
           </a:p>
         </p:txBody>
       </p:sp>
-      <p:sp>
-        <p:nvSpPr>
-          <p:cNvPr id="17" name=""/>
-          <p:cNvSpPr/>
+      <p:grpSp>
+        <p:nvGrpSpPr>
+          <p:cNvPr id="18" name=""/>
+          <p:cNvGrpSpPr>
+            <a:grpSpLocks noChangeAspect="1"/>
+          </p:cNvGrpSpPr>
           <p:nvPr/>
-        </p:nvSpPr>
-        <p:spPr>
-          <a:xfrm rot="2700000">
-            <a:off x="2999567" y="1263090"/>
-            <a:ext cx="719999" cy="719999"/>
+        </p:nvGrpSpPr>
+        <p:grpSpPr>
+          <a:xfrm rot="0">
+            <a:off x="1415415" y="0"/>
+            <a:ext cx="1800225" cy="1987274"/>
+            <a:chOff x="2639568" y="1263090"/>
+            <a:chExt cx="1440360" cy="1590018"/>
           </a:xfrm>
-          <a:prstGeom prst="pieWedge">
-            <a:avLst/>
-          </a:prstGeom>
-          <a:solidFill>
-            <a:srgbClr val="808080"/>
-          </a:solidFill>
-          <a:ln>
-            <a:noFill/>
-          </a:ln>
-        </p:spPr>
-        <p:style>
-          <a:lnRef idx="2">
-            <a:schemeClr val="accent1">
-              <a:shade val="20000"/>
-            </a:schemeClr>
-          </a:lnRef>
-          <a:fillRef idx="1">
-            <a:schemeClr val="accent1"/>
-          </a:fillRef>
-          <a:effectRef idx="0">
-            <a:schemeClr val="accent1"/>
-          </a:effectRef>
-          <a:fontRef idx="minor">
-            <a:schemeClr val="lt1"/>
-          </a:fontRef>
-        </p:style>
-        <p:txBody>
-          <a:bodyPr anchor="ctr"/>
-          <a:p>
-            <a:pPr algn="ctr">
-              <a:defRPr/>
-            </a:pPr>
-            <a:endParaRPr lang="ko-KR" altLang="en-US"/>
-          </a:p>
-        </p:txBody>
-      </p:sp>
-      <p:sp>
-        <p:nvSpPr>
-          <p:cNvPr id="16" name="타원 3"/>
-          <p:cNvSpPr/>
-          <p:nvPr/>
-        </p:nvSpPr>
-        <p:spPr>
-          <a:xfrm>
-            <a:off x="2999613" y="1772252"/>
-            <a:ext cx="719909" cy="719909"/>
-          </a:xfrm>
-          <a:prstGeom prst="ellipse">
-            <a:avLst/>
-          </a:prstGeom>
-          <a:solidFill>
-            <a:schemeClr val="lt1"/>
-          </a:solidFill>
-          <a:ln>
-            <a:noFill/>
-          </a:ln>
-        </p:spPr>
-        <p:style>
-          <a:lnRef idx="2">
-            <a:schemeClr val="accent1">
-              <a:shade val="50000"/>
-            </a:schemeClr>
-          </a:lnRef>
-          <a:fillRef idx="1">
-            <a:schemeClr val="accent1"/>
-          </a:fillRef>
-          <a:effectRef idx="0">
-            <a:schemeClr val="accent1"/>
-          </a:effectRef>
-          <a:fontRef idx="minor">
-            <a:schemeClr val="lt1"/>
-          </a:fontRef>
-        </p:style>
-        <p:txBody>
-          <a:bodyPr anchor="ctr"/>
-          <a:lstStyle/>
-          <a:p>
-            <a:pPr algn="ctr">
-              <a:defRPr/>
-            </a:pPr>
-            <a:endParaRPr lang="ko-KR" altLang="en-US"/>
-          </a:p>
-        </p:txBody>
-      </p:sp>
+        </p:grpSpPr>
+        <p:sp>
+          <p:nvSpPr>
+            <p:cNvPr id="4" name="타원 3"/>
+            <p:cNvSpPr/>
+            <p:nvPr/>
+          </p:nvSpPr>
+          <p:spPr>
+            <a:xfrm>
+              <a:off x="2639568" y="1412748"/>
+              <a:ext cx="1440360" cy="1440360"/>
+            </a:xfrm>
+            <a:prstGeom prst="ellipse">
+              <a:avLst/>
+            </a:prstGeom>
+            <a:solidFill>
+              <a:schemeClr val="dk1"/>
+            </a:solidFill>
+            <a:ln>
+              <a:noFill/>
+            </a:ln>
+          </p:spPr>
+          <p:style>
+            <a:lnRef idx="2">
+              <a:schemeClr val="accent1">
+                <a:shade val="50000"/>
+              </a:schemeClr>
+            </a:lnRef>
+            <a:fillRef idx="1">
+              <a:schemeClr val="accent1"/>
+            </a:fillRef>
+            <a:effectRef idx="0">
+              <a:schemeClr val="accent1"/>
+            </a:effectRef>
+            <a:fontRef idx="minor">
+              <a:schemeClr val="lt1"/>
+            </a:fontRef>
+          </p:style>
+          <p:txBody>
+            <a:bodyPr anchor="ctr"/>
+            <a:lstStyle/>
+            <a:p>
+              <a:pPr algn="ctr">
+                <a:defRPr/>
+              </a:pPr>
+              <a:endParaRPr lang="ko-KR" altLang="en-US"/>
+            </a:p>
+          </p:txBody>
+        </p:sp>
+        <p:sp>
+          <p:nvSpPr>
+            <p:cNvPr id="17" name=""/>
+            <p:cNvSpPr/>
+            <p:nvPr/>
+          </p:nvSpPr>
+          <p:spPr>
+            <a:xfrm rot="2700000">
+              <a:off x="2999567" y="1263090"/>
+              <a:ext cx="719999" cy="719999"/>
+            </a:xfrm>
+            <a:prstGeom prst="pieWedge">
+              <a:avLst/>
+            </a:prstGeom>
+            <a:solidFill>
+              <a:srgbClr val="808080"/>
+            </a:solidFill>
+            <a:ln>
+              <a:noFill/>
+            </a:ln>
+          </p:spPr>
+          <p:style>
+            <a:lnRef idx="2">
+              <a:schemeClr val="accent1">
+                <a:shade val="20000"/>
+              </a:schemeClr>
+            </a:lnRef>
+            <a:fillRef idx="1">
+              <a:schemeClr val="accent1"/>
+            </a:fillRef>
+            <a:effectRef idx="0">
+              <a:schemeClr val="accent1"/>
+            </a:effectRef>
+            <a:fontRef idx="minor">
+              <a:schemeClr val="lt1"/>
+            </a:fontRef>
+          </p:style>
+          <p:txBody>
+            <a:bodyPr anchor="ctr"/>
+            <a:p>
+              <a:pPr algn="ctr">
+                <a:defRPr/>
+              </a:pPr>
+              <a:endParaRPr lang="ko-KR" altLang="en-US"/>
+            </a:p>
+          </p:txBody>
+        </p:sp>
+        <p:sp>
+          <p:nvSpPr>
+            <p:cNvPr id="16" name="타원 3"/>
+            <p:cNvSpPr/>
+            <p:nvPr/>
+          </p:nvSpPr>
+          <p:spPr>
+            <a:xfrm>
+              <a:off x="2999613" y="1772252"/>
+              <a:ext cx="719909" cy="719909"/>
+            </a:xfrm>
+            <a:prstGeom prst="ellipse">
+              <a:avLst/>
+            </a:prstGeom>
+            <a:solidFill>
+              <a:schemeClr val="lt1"/>
+            </a:solidFill>
+            <a:ln>
+              <a:noFill/>
+            </a:ln>
+          </p:spPr>
+          <p:style>
+            <a:lnRef idx="2">
+              <a:schemeClr val="accent1">
+                <a:shade val="50000"/>
+              </a:schemeClr>
+            </a:lnRef>
+            <a:fillRef idx="1">
+              <a:schemeClr val="accent1"/>
+            </a:fillRef>
+            <a:effectRef idx="0">
+              <a:schemeClr val="accent1"/>
+            </a:effectRef>
+            <a:fontRef idx="minor">
+              <a:schemeClr val="lt1"/>
+            </a:fontRef>
+          </p:style>
+          <p:txBody>
+            <a:bodyPr anchor="ctr"/>
+            <a:lstStyle/>
+            <a:p>
+              <a:pPr algn="ctr">
+                <a:defRPr/>
+              </a:pPr>
+              <a:endParaRPr lang="ko-KR" altLang="en-US"/>
+            </a:p>
+          </p:txBody>
+        </p:sp>
+      </p:grpSp>
     </p:spTree>
   </p:cSld>
   <p:clrMapOvr>

--- a/Img/프레젠테이션1.pptx
+++ b/Img/프레젠테이션1.pptx
@@ -1,6 +1,6 @@
 
 <file path=ppt/presentation.xml><?xml version="1.0" encoding="utf-8"?>
-<p:presentation xmlns:r="http://schemas.openxmlformats.org/officeDocument/2006/relationships" xmlns:c="http://schemas.openxmlformats.org/drawingml/2006/chart" xmlns:a="http://schemas.openxmlformats.org/drawingml/2006/main" xmlns:dgm="http://schemas.openxmlformats.org/drawingml/2006/diagram" xmlns:dsp="http://schemas.microsoft.com/office/drawing/2008/diagram" xmlns:p="http://schemas.openxmlformats.org/presentationml/2006/main">
+<p:presentation xmlns:a="http://schemas.openxmlformats.org/drawingml/2006/main" xmlns:r="http://schemas.openxmlformats.org/officeDocument/2006/relationships" xmlns:p="http://schemas.openxmlformats.org/presentationml/2006/main">
   <p:sldMasterIdLst>
     <p:sldMasterId id="2147483661" r:id="rId1"/>
   </p:sldMasterIdLst>
@@ -9,6 +9,7 @@
     <p:sldId id="257" r:id="rId3"/>
     <p:sldId id="258" r:id="rId4"/>
     <p:sldId id="259" r:id="rId5"/>
+    <p:sldId id="260" r:id="rId6"/>
   </p:sldIdLst>
   <p:sldSz cx="12192000" cy="6858000"/>
   <p:notesSz cx="6858000" cy="9144000"/>
@@ -107,6 +108,22 @@
       </a:defRPr>
     </a:lvl9pPr>
   </p:defaultTextStyle>
+  <p:extLst>
+    <p:ext uri="{EFAFB233-063F-42B5-8137-9DF3F51BA10A}">
+      <p15:sldGuideLst xmlns:p15="http://schemas.microsoft.com/office/powerpoint/2012/main">
+        <p15:guide id="1" orient="horz" pos="2152">
+          <p15:clr>
+            <a:srgbClr val="A4A3A4"/>
+          </p15:clr>
+        </p15:guide>
+        <p15:guide id="2" pos="3839">
+          <p15:clr>
+            <a:srgbClr val="A4A3A4"/>
+          </p15:clr>
+        </p15:guide>
+      </p15:sldGuideLst>
+    </p:ext>
+  </p:extLst>
 </p:presentation>
 </file>
 
@@ -257,7 +274,7 @@
           <a:p>
             <a:fld id="{42FB5B43-7D6E-4065-B7A9-F46A6195738D}" type="datetimeFigureOut">
               <a:rPr lang="ko-KR" altLang="en-US" smtClean="0"/>
-              <a:t>2023-07-19</a:t>
+              <a:t>2023-09-08</a:t>
             </a:fld>
             <a:endParaRPr lang="ko-KR" altLang="en-US"/>
           </a:p>
@@ -455,7 +472,7 @@
           <a:p>
             <a:fld id="{42FB5B43-7D6E-4065-B7A9-F46A6195738D}" type="datetimeFigureOut">
               <a:rPr lang="ko-KR" altLang="en-US" smtClean="0"/>
-              <a:t>2023-07-19</a:t>
+              <a:t>2023-09-08</a:t>
             </a:fld>
             <a:endParaRPr lang="ko-KR" altLang="en-US"/>
           </a:p>
@@ -663,7 +680,7 @@
           <a:p>
             <a:fld id="{42FB5B43-7D6E-4065-B7A9-F46A6195738D}" type="datetimeFigureOut">
               <a:rPr lang="ko-KR" altLang="en-US" smtClean="0"/>
-              <a:t>2023-07-19</a:t>
+              <a:t>2023-09-08</a:t>
             </a:fld>
             <a:endParaRPr lang="ko-KR" altLang="en-US"/>
           </a:p>
@@ -861,7 +878,7 @@
           <a:p>
             <a:fld id="{42FB5B43-7D6E-4065-B7A9-F46A6195738D}" type="datetimeFigureOut">
               <a:rPr lang="ko-KR" altLang="en-US" smtClean="0"/>
-              <a:t>2023-07-19</a:t>
+              <a:t>2023-09-08</a:t>
             </a:fld>
             <a:endParaRPr lang="ko-KR" altLang="en-US"/>
           </a:p>
@@ -1136,7 +1153,7 @@
           <a:p>
             <a:fld id="{42FB5B43-7D6E-4065-B7A9-F46A6195738D}" type="datetimeFigureOut">
               <a:rPr lang="ko-KR" altLang="en-US" smtClean="0"/>
-              <a:t>2023-07-19</a:t>
+              <a:t>2023-09-08</a:t>
             </a:fld>
             <a:endParaRPr lang="ko-KR" altLang="en-US"/>
           </a:p>
@@ -1401,7 +1418,7 @@
           <a:p>
             <a:fld id="{42FB5B43-7D6E-4065-B7A9-F46A6195738D}" type="datetimeFigureOut">
               <a:rPr lang="ko-KR" altLang="en-US" smtClean="0"/>
-              <a:t>2023-07-19</a:t>
+              <a:t>2023-09-08</a:t>
             </a:fld>
             <a:endParaRPr lang="ko-KR" altLang="en-US"/>
           </a:p>
@@ -1813,7 +1830,7 @@
           <a:p>
             <a:fld id="{42FB5B43-7D6E-4065-B7A9-F46A6195738D}" type="datetimeFigureOut">
               <a:rPr lang="ko-KR" altLang="en-US" smtClean="0"/>
-              <a:t>2023-07-19</a:t>
+              <a:t>2023-09-08</a:t>
             </a:fld>
             <a:endParaRPr lang="ko-KR" altLang="en-US"/>
           </a:p>
@@ -1954,7 +1971,7 @@
           <a:p>
             <a:fld id="{42FB5B43-7D6E-4065-B7A9-F46A6195738D}" type="datetimeFigureOut">
               <a:rPr lang="ko-KR" altLang="en-US" smtClean="0"/>
-              <a:t>2023-07-19</a:t>
+              <a:t>2023-09-08</a:t>
             </a:fld>
             <a:endParaRPr lang="ko-KR" altLang="en-US"/>
           </a:p>
@@ -2067,7 +2084,7 @@
           <a:p>
             <a:fld id="{42FB5B43-7D6E-4065-B7A9-F46A6195738D}" type="datetimeFigureOut">
               <a:rPr lang="ko-KR" altLang="en-US" smtClean="0"/>
-              <a:t>2023-07-19</a:t>
+              <a:t>2023-09-08</a:t>
             </a:fld>
             <a:endParaRPr lang="ko-KR" altLang="en-US"/>
           </a:p>
@@ -2378,7 +2395,7 @@
           <a:p>
             <a:fld id="{42FB5B43-7D6E-4065-B7A9-F46A6195738D}" type="datetimeFigureOut">
               <a:rPr lang="ko-KR" altLang="en-US" smtClean="0"/>
-              <a:t>2023-07-19</a:t>
+              <a:t>2023-09-08</a:t>
             </a:fld>
             <a:endParaRPr lang="ko-KR" altLang="en-US"/>
           </a:p>
@@ -2666,7 +2683,7 @@
           <a:p>
             <a:fld id="{42FB5B43-7D6E-4065-B7A9-F46A6195738D}" type="datetimeFigureOut">
               <a:rPr lang="ko-KR" altLang="en-US" smtClean="0"/>
-              <a:t>2023-07-19</a:t>
+              <a:t>2023-09-08</a:t>
             </a:fld>
             <a:endParaRPr lang="ko-KR" altLang="en-US"/>
           </a:p>
@@ -2907,7 +2924,7 @@
           <a:p>
             <a:fld id="{42FB5B43-7D6E-4065-B7A9-F46A6195738D}" type="datetimeFigureOut">
               <a:rPr lang="ko-KR" altLang="en-US" smtClean="0"/>
-              <a:t>2023-07-19</a:t>
+              <a:t>2023-09-08</a:t>
             </a:fld>
             <a:endParaRPr lang="ko-KR" altLang="en-US"/>
           </a:p>
@@ -3308,7 +3325,7 @@
 </file>
 
 <file path=ppt/slides/slide1.xml><?xml version="1.0" encoding="utf-8"?>
-<p:sld xmlns:r="http://schemas.openxmlformats.org/officeDocument/2006/relationships" xmlns:c="http://schemas.openxmlformats.org/drawingml/2006/chart" xmlns:a="http://schemas.openxmlformats.org/drawingml/2006/main" xmlns:dgm="http://schemas.openxmlformats.org/drawingml/2006/diagram" xmlns:dsp="http://schemas.microsoft.com/office/drawing/2008/diagram" xmlns:p="http://schemas.openxmlformats.org/presentationml/2006/main">
+<p:sld xmlns:a="http://schemas.openxmlformats.org/drawingml/2006/main" xmlns:r="http://schemas.openxmlformats.org/officeDocument/2006/relationships" xmlns:p="http://schemas.openxmlformats.org/presentationml/2006/main">
   <p:cSld>
     <p:spTree>
       <p:nvGrpSpPr>
@@ -3347,6 +3364,7 @@
               <a:gd name="connsiteX3" fmla="*/ 457200 w 914400"/>
               <a:gd name="connsiteY3" fmla="*/ 0 h 457200"/>
             </a:gdLst>
+            <a:ahLst/>
             <a:cxnLst>
               <a:cxn ang="0">
                 <a:pos x="connsiteX0" y="connsiteY0"/>
@@ -3443,6 +3461,7 @@
               <a:gd name="connsiteX3" fmla="*/ 457200 w 914400"/>
               <a:gd name="connsiteY3" fmla="*/ 0 h 457200"/>
             </a:gdLst>
+            <a:ahLst/>
             <a:cxnLst>
               <a:cxn ang="0">
                 <a:pos x="connsiteX0" y="connsiteY0"/>
@@ -3647,6 +3666,7 @@
         </p:spPr>
         <p:txBody>
           <a:bodyPr anchor="ctr"/>
+          <a:lstStyle/>
           <a:p>
             <a:pPr marL="0" indent="0" algn="ctr" defTabSz="914400" rtl="0" eaLnBrk="1" latinLnBrk="1" hangingPunct="1">
               <a:lnSpc>
@@ -3661,9 +3681,9 @@
               <a:buNone/>
               <a:defRPr/>
             </a:pPr>
-            <a:endParaRPr xmlns:mc="http://schemas.openxmlformats.org/markup-compatibility/2006" xmlns:hp="http://schemas.haansoft.com/office/presentation/8.0" kumimoji="0" lang="ko-KR" altLang="en-US" sz="1800" b="0" i="0" u="none" strike="noStrike" kern="1200" cap="none" spc="0" normalizeH="0" baseline="0" mc:Ignorable="hp" hp:hslEmbossed="0">
+            <a:endParaRPr kumimoji="0" lang="ko-KR" altLang="en-US" sz="1800" b="0" i="0" u="none" strike="noStrike" kern="1200" cap="none" spc="0" normalizeH="0" baseline="0">
               <a:solidFill>
-                <a:srgbClr val="ffffff"/>
+                <a:srgbClr val="FFFFFF"/>
               </a:solidFill>
               <a:latin typeface="맑은 고딕"/>
               <a:ea typeface="맑은 고딕"/>
@@ -3809,6 +3829,7 @@
         </p:spPr>
         <p:txBody>
           <a:bodyPr anchor="ctr"/>
+          <a:lstStyle/>
           <a:p>
             <a:pPr marL="0" indent="0" algn="ctr" defTabSz="914400" rtl="0" eaLnBrk="1" latinLnBrk="1" hangingPunct="1">
               <a:lnSpc>
@@ -3823,9 +3844,9 @@
               <a:buNone/>
               <a:defRPr/>
             </a:pPr>
-            <a:endParaRPr xmlns:mc="http://schemas.openxmlformats.org/markup-compatibility/2006" xmlns:hp="http://schemas.haansoft.com/office/presentation/8.0" kumimoji="0" lang="ko-KR" altLang="en-US" sz="1800" b="0" i="0" u="none" strike="noStrike" kern="1200" cap="none" spc="0" normalizeH="0" baseline="0" mc:Ignorable="hp" hp:hslEmbossed="0">
+            <a:endParaRPr kumimoji="0" lang="ko-KR" altLang="en-US" sz="1800" b="0" i="0" u="none" strike="noStrike" kern="1200" cap="none" spc="0" normalizeH="0" baseline="0">
               <a:solidFill>
-                <a:srgbClr val="ffffff"/>
+                <a:srgbClr val="FFFFFF"/>
               </a:solidFill>
               <a:latin typeface="맑은 고딕"/>
               <a:ea typeface="맑은 고딕"/>
@@ -3851,7 +3872,7 @@
             </a:avLst>
           </a:prstGeom>
           <a:solidFill>
-            <a:srgbClr val="ff0000"/>
+            <a:srgbClr val="FF0000"/>
           </a:solidFill>
           <a:ln>
             <a:noFill/>
@@ -3877,6 +3898,7 @@
         </p:style>
         <p:txBody>
           <a:bodyPr anchor="ctr"/>
+          <a:lstStyle/>
           <a:p>
             <a:pPr marL="0" indent="0" algn="ctr" defTabSz="914400" rtl="0" eaLnBrk="1" latinLnBrk="1" hangingPunct="1">
               <a:lnSpc>
@@ -3891,9 +3913,9 @@
               <a:buNone/>
               <a:defRPr/>
             </a:pPr>
-            <a:endParaRPr xmlns:mc="http://schemas.openxmlformats.org/markup-compatibility/2006" xmlns:hp="http://schemas.haansoft.com/office/presentation/8.0" kumimoji="0" lang="ko-KR" altLang="en-US" sz="1800" b="0" i="0" u="none" strike="noStrike" kern="1200" cap="none" spc="0" normalizeH="0" baseline="0" mc:Ignorable="hp" hp:hslEmbossed="0">
+            <a:endParaRPr kumimoji="0" lang="ko-KR" altLang="en-US" sz="1800" b="0" i="0" u="none" strike="noStrike" kern="1200" cap="none" spc="0" normalizeH="0" baseline="0">
               <a:solidFill>
-                <a:srgbClr val="ffffff"/>
+                <a:srgbClr val="FFFFFF"/>
               </a:solidFill>
               <a:latin typeface="맑은 고딕"/>
               <a:ea typeface="맑은 고딕"/>
@@ -3954,84 +3976,99 @@
       </p:sp>
       <p:grpSp>
         <p:nvGrpSpPr>
-          <p:cNvPr id="18" name=""/>
-          <p:cNvGrpSpPr>
-            <a:grpSpLocks noChangeAspect="1"/>
-          </p:cNvGrpSpPr>
+          <p:cNvPr id="73" name="그룹 72">
+            <a:extLst>
+              <a:ext uri="{FF2B5EF4-FFF2-40B4-BE49-F238E27FC236}">
+                <a16:creationId xmlns:a16="http://schemas.microsoft.com/office/drawing/2014/main" id="{99C805CA-D0C1-40EB-BD22-D22C18C3D40A}"/>
+              </a:ext>
+            </a:extLst>
+          </p:cNvPr>
+          <p:cNvGrpSpPr/>
           <p:nvPr/>
         </p:nvGrpSpPr>
         <p:grpSpPr>
-          <a:xfrm rot="0">
-            <a:off x="1415415" y="0"/>
-            <a:ext cx="1800225" cy="1987274"/>
-            <a:chOff x="2639568" y="1263090"/>
-            <a:chExt cx="1440360" cy="1590018"/>
+          <a:xfrm rot="2700000">
+            <a:off x="1487360" y="692626"/>
+            <a:ext cx="1440000" cy="1439995"/>
+            <a:chOff x="1487360" y="692626"/>
+            <a:chExt cx="1440000" cy="1439995"/>
           </a:xfrm>
         </p:grpSpPr>
         <p:sp>
           <p:nvSpPr>
-            <p:cNvPr id="4" name="타원 3"/>
+            <p:cNvPr id="72" name="자유형: 도형 71">
+              <a:extLst>
+                <a:ext uri="{FF2B5EF4-FFF2-40B4-BE49-F238E27FC236}">
+                  <a16:creationId xmlns:a16="http://schemas.microsoft.com/office/drawing/2014/main" id="{781BF6A3-F5F4-4B2F-8CBB-DDEE09051064}"/>
+                </a:ext>
+              </a:extLst>
+            </p:cNvPr>
             <p:cNvSpPr/>
             <p:nvPr/>
           </p:nvSpPr>
           <p:spPr>
             <a:xfrm>
-              <a:off x="2639568" y="1412748"/>
-              <a:ext cx="1440360" cy="1440360"/>
+              <a:off x="1501880" y="707068"/>
+              <a:ext cx="561561" cy="561533"/>
             </a:xfrm>
-            <a:prstGeom prst="ellipse">
+            <a:custGeom>
               <a:avLst/>
-            </a:prstGeom>
+              <a:gdLst>
+                <a:gd name="connsiteX0" fmla="*/ 561561 w 561561"/>
+                <a:gd name="connsiteY0" fmla="*/ 0 h 561533"/>
+                <a:gd name="connsiteX1" fmla="*/ 561561 w 561561"/>
+                <a:gd name="connsiteY1" fmla="*/ 561533 h 561533"/>
+                <a:gd name="connsiteX2" fmla="*/ 0 w 561561"/>
+                <a:gd name="connsiteY2" fmla="*/ 561533 h 561533"/>
+                <a:gd name="connsiteX3" fmla="*/ 109 w 561561"/>
+                <a:gd name="connsiteY3" fmla="*/ 560448 h 561533"/>
+                <a:gd name="connsiteX4" fmla="*/ 560376 w 561561"/>
+                <a:gd name="connsiteY4" fmla="*/ 181 h 561533"/>
+              </a:gdLst>
+              <a:ahLst/>
+              <a:cxnLst>
+                <a:cxn ang="0">
+                  <a:pos x="connsiteX0" y="connsiteY0"/>
+                </a:cxn>
+                <a:cxn ang="0">
+                  <a:pos x="connsiteX1" y="connsiteY1"/>
+                </a:cxn>
+                <a:cxn ang="0">
+                  <a:pos x="connsiteX2" y="connsiteY2"/>
+                </a:cxn>
+                <a:cxn ang="0">
+                  <a:pos x="connsiteX3" y="connsiteY3"/>
+                </a:cxn>
+                <a:cxn ang="0">
+                  <a:pos x="connsiteX4" y="connsiteY4"/>
+                </a:cxn>
+              </a:cxnLst>
+              <a:rect l="l" t="t" r="r" b="b"/>
+              <a:pathLst>
+                <a:path w="561561" h="561533">
+                  <a:moveTo>
+                    <a:pt x="561561" y="0"/>
+                  </a:moveTo>
+                  <a:lnTo>
+                    <a:pt x="561561" y="561533"/>
+                  </a:lnTo>
+                  <a:lnTo>
+                    <a:pt x="0" y="561533"/>
+                  </a:lnTo>
+                  <a:lnTo>
+                    <a:pt x="109" y="560448"/>
+                  </a:lnTo>
+                  <a:cubicBezTo>
+                    <a:pt x="57655" y="279226"/>
+                    <a:pt x="279154" y="57727"/>
+                    <a:pt x="560376" y="181"/>
+                  </a:cubicBezTo>
+                  <a:close/>
+                </a:path>
+              </a:pathLst>
+            </a:custGeom>
             <a:solidFill>
               <a:schemeClr val="dk1"/>
-            </a:solidFill>
-            <a:ln>
-              <a:noFill/>
-            </a:ln>
-          </p:spPr>
-          <p:style>
-            <a:lnRef idx="2">
-              <a:schemeClr val="accent1">
-                <a:shade val="50000"/>
-              </a:schemeClr>
-            </a:lnRef>
-            <a:fillRef idx="1">
-              <a:schemeClr val="accent1"/>
-            </a:fillRef>
-            <a:effectRef idx="0">
-              <a:schemeClr val="accent1"/>
-            </a:effectRef>
-            <a:fontRef idx="minor">
-              <a:schemeClr val="lt1"/>
-            </a:fontRef>
-          </p:style>
-          <p:txBody>
-            <a:bodyPr anchor="ctr"/>
-            <a:lstStyle/>
-            <a:p>
-              <a:pPr algn="ctr">
-                <a:defRPr/>
-              </a:pPr>
-              <a:endParaRPr lang="ko-KR" altLang="en-US"/>
-            </a:p>
-          </p:txBody>
-        </p:sp>
-        <p:sp>
-          <p:nvSpPr>
-            <p:cNvPr id="17" name=""/>
-            <p:cNvSpPr/>
-            <p:nvPr/>
-          </p:nvSpPr>
-          <p:spPr>
-            <a:xfrm rot="2700000">
-              <a:off x="2999567" y="1263090"/>
-              <a:ext cx="719999" cy="719999"/>
-            </a:xfrm>
-            <a:prstGeom prst="pieWedge">
-              <a:avLst/>
-            </a:prstGeom>
-            <a:solidFill>
-              <a:srgbClr val="808080"/>
             </a:solidFill>
             <a:ln>
               <a:noFill/>
@@ -4054,31 +4091,149 @@
             </a:fontRef>
           </p:style>
           <p:txBody>
-            <a:bodyPr anchor="ctr"/>
+            <a:bodyPr wrap="square" rtlCol="0" anchor="ctr">
+              <a:noAutofit/>
+            </a:bodyPr>
+            <a:lstStyle/>
             <a:p>
-              <a:pPr algn="ctr">
-                <a:defRPr/>
-              </a:pPr>
+              <a:pPr algn="ctr"/>
               <a:endParaRPr lang="ko-KR" altLang="en-US"/>
             </a:p>
           </p:txBody>
         </p:sp>
         <p:sp>
           <p:nvSpPr>
-            <p:cNvPr id="16" name="타원 3"/>
+            <p:cNvPr id="62" name="자유형: 도형 61">
+              <a:extLst>
+                <a:ext uri="{FF2B5EF4-FFF2-40B4-BE49-F238E27FC236}">
+                  <a16:creationId xmlns:a16="http://schemas.microsoft.com/office/drawing/2014/main" id="{0C20499B-14C5-4DF2-AA04-770FDCCE437A}"/>
+                </a:ext>
+              </a:extLst>
+            </p:cNvPr>
             <p:cNvSpPr/>
             <p:nvPr/>
           </p:nvSpPr>
           <p:spPr>
             <a:xfrm>
-              <a:off x="2999613" y="1772252"/>
-              <a:ext cx="719909" cy="719909"/>
+              <a:off x="1487360" y="692626"/>
+              <a:ext cx="1440000" cy="1439995"/>
             </a:xfrm>
-            <a:prstGeom prst="ellipse">
+            <a:custGeom>
               <a:avLst/>
-            </a:prstGeom>
+              <a:gdLst>
+                <a:gd name="connsiteX0" fmla="*/ 720100 w 1440000"/>
+                <a:gd name="connsiteY0" fmla="*/ 0 h 1439995"/>
+                <a:gd name="connsiteX1" fmla="*/ 793616 w 1440000"/>
+                <a:gd name="connsiteY1" fmla="*/ 3712 h 1439995"/>
+                <a:gd name="connsiteX2" fmla="*/ 1440000 w 1440000"/>
+                <a:gd name="connsiteY2" fmla="*/ 719995 h 1439995"/>
+                <a:gd name="connsiteX3" fmla="*/ 720000 w 1440000"/>
+                <a:gd name="connsiteY3" fmla="*/ 1439995 h 1439995"/>
+                <a:gd name="connsiteX4" fmla="*/ 0 w 1440000"/>
+                <a:gd name="connsiteY4" fmla="*/ 719995 h 1439995"/>
+                <a:gd name="connsiteX5" fmla="*/ 360000 w 1440000"/>
+                <a:gd name="connsiteY5" fmla="*/ 719995 h 1439995"/>
+                <a:gd name="connsiteX6" fmla="*/ 367314 w 1440000"/>
+                <a:gd name="connsiteY6" fmla="*/ 792547 h 1439995"/>
+                <a:gd name="connsiteX7" fmla="*/ 720000 w 1440000"/>
+                <a:gd name="connsiteY7" fmla="*/ 1079994 h 1439995"/>
+                <a:gd name="connsiteX8" fmla="*/ 1080000 w 1440000"/>
+                <a:gd name="connsiteY8" fmla="*/ 719994 h 1439995"/>
+                <a:gd name="connsiteX9" fmla="*/ 792553 w 1440000"/>
+                <a:gd name="connsiteY9" fmla="*/ 367308 h 1439995"/>
+                <a:gd name="connsiteX10" fmla="*/ 720100 w 1440000"/>
+                <a:gd name="connsiteY10" fmla="*/ 360004 h 1439995"/>
+              </a:gdLst>
+              <a:ahLst/>
+              <a:cxnLst>
+                <a:cxn ang="0">
+                  <a:pos x="connsiteX0" y="connsiteY0"/>
+                </a:cxn>
+                <a:cxn ang="0">
+                  <a:pos x="connsiteX1" y="connsiteY1"/>
+                </a:cxn>
+                <a:cxn ang="0">
+                  <a:pos x="connsiteX2" y="connsiteY2"/>
+                </a:cxn>
+                <a:cxn ang="0">
+                  <a:pos x="connsiteX3" y="connsiteY3"/>
+                </a:cxn>
+                <a:cxn ang="0">
+                  <a:pos x="connsiteX4" y="connsiteY4"/>
+                </a:cxn>
+                <a:cxn ang="0">
+                  <a:pos x="connsiteX5" y="connsiteY5"/>
+                </a:cxn>
+                <a:cxn ang="0">
+                  <a:pos x="connsiteX6" y="connsiteY6"/>
+                </a:cxn>
+                <a:cxn ang="0">
+                  <a:pos x="connsiteX7" y="connsiteY7"/>
+                </a:cxn>
+                <a:cxn ang="0">
+                  <a:pos x="connsiteX8" y="connsiteY8"/>
+                </a:cxn>
+                <a:cxn ang="0">
+                  <a:pos x="connsiteX9" y="connsiteY9"/>
+                </a:cxn>
+                <a:cxn ang="0">
+                  <a:pos x="connsiteX10" y="connsiteY10"/>
+                </a:cxn>
+              </a:cxnLst>
+              <a:rect l="l" t="t" r="r" b="b"/>
+              <a:pathLst>
+                <a:path w="1440000" h="1439995">
+                  <a:moveTo>
+                    <a:pt x="720100" y="0"/>
+                  </a:moveTo>
+                  <a:lnTo>
+                    <a:pt x="793616" y="3712"/>
+                  </a:lnTo>
+                  <a:cubicBezTo>
+                    <a:pt x="1156680" y="40584"/>
+                    <a:pt x="1440000" y="347203"/>
+                    <a:pt x="1440000" y="719995"/>
+                  </a:cubicBezTo>
+                  <a:cubicBezTo>
+                    <a:pt x="1440000" y="1117640"/>
+                    <a:pt x="1117645" y="1439995"/>
+                    <a:pt x="720000" y="1439995"/>
+                  </a:cubicBezTo>
+                  <a:cubicBezTo>
+                    <a:pt x="322355" y="1439995"/>
+                    <a:pt x="0" y="1117640"/>
+                    <a:pt x="0" y="719995"/>
+                  </a:cubicBezTo>
+                  <a:lnTo>
+                    <a:pt x="360000" y="719995"/>
+                  </a:lnTo>
+                  <a:lnTo>
+                    <a:pt x="367314" y="792547"/>
+                  </a:lnTo>
+                  <a:cubicBezTo>
+                    <a:pt x="400883" y="956593"/>
+                    <a:pt x="546030" y="1079994"/>
+                    <a:pt x="720000" y="1079994"/>
+                  </a:cubicBezTo>
+                  <a:cubicBezTo>
+                    <a:pt x="918823" y="1079994"/>
+                    <a:pt x="1080000" y="918817"/>
+                    <a:pt x="1080000" y="719994"/>
+                  </a:cubicBezTo>
+                  <a:cubicBezTo>
+                    <a:pt x="1080000" y="546024"/>
+                    <a:pt x="956599" y="400877"/>
+                    <a:pt x="792553" y="367308"/>
+                  </a:cubicBezTo>
+                  <a:lnTo>
+                    <a:pt x="720100" y="360004"/>
+                  </a:lnTo>
+                  <a:close/>
+                </a:path>
+              </a:pathLst>
+            </a:custGeom>
             <a:solidFill>
-              <a:schemeClr val="lt1"/>
+              <a:schemeClr val="dk1"/>
             </a:solidFill>
             <a:ln>
               <a:noFill/>
@@ -4087,7 +4242,7 @@
           <p:style>
             <a:lnRef idx="2">
               <a:schemeClr val="accent1">
-                <a:shade val="50000"/>
+                <a:shade val="20000"/>
               </a:schemeClr>
             </a:lnRef>
             <a:fillRef idx="1">
@@ -4101,12 +4256,12 @@
             </a:fontRef>
           </p:style>
           <p:txBody>
-            <a:bodyPr anchor="ctr"/>
+            <a:bodyPr wrap="square" rtlCol="0" anchor="ctr">
+              <a:noAutofit/>
+            </a:bodyPr>
             <a:lstStyle/>
             <a:p>
-              <a:pPr algn="ctr">
-                <a:defRPr/>
-              </a:pPr>
+              <a:pPr algn="ctr"/>
               <a:endParaRPr lang="ko-KR" altLang="en-US"/>
             </a:p>
           </p:txBody>
@@ -4117,11 +4272,11 @@
   <p:clrMapOvr>
     <a:masterClrMapping/>
   </p:clrMapOvr>
-  <mc:AlternateContent xmlns:mc="http://schemas.openxmlformats.org/markup-compatibility/2006">
-    <mc:Choice xmlns:p14="http://schemas.microsoft.com/office/powerpoint/2010/main" Requires="p14">
-      <p:transition xmlns:mc="http://schemas.openxmlformats.org/markup-compatibility/2006" xmlns:p14="http://schemas.microsoft.com/office/powerpoint/2010/main" mc:Ignorable="p14" p14:dur="500"/>
+  <mc:AlternateContent xmlns:mc="http://schemas.openxmlformats.org/markup-compatibility/2006" xmlns:p14="http://schemas.microsoft.com/office/powerpoint/2010/main">
+    <mc:Choice Requires="p14">
+      <p:transition/>
     </mc:Choice>
-    <mc:Fallback>
+    <mc:Fallback xmlns="" xmlns:c="http://schemas.openxmlformats.org/drawingml/2006/chart" xmlns:dgm="http://schemas.openxmlformats.org/drawingml/2006/diagram" xmlns:dsp="http://schemas.microsoft.com/office/drawing/2008/diagram">
       <p:transition/>
     </mc:Fallback>
   </mc:AlternateContent>
@@ -4129,7 +4284,7 @@
 </file>
 
 <file path=ppt/slides/slide2.xml><?xml version="1.0" encoding="utf-8"?>
-<p:sld xmlns:r="http://schemas.openxmlformats.org/officeDocument/2006/relationships" xmlns:c="http://schemas.openxmlformats.org/drawingml/2006/chart" xmlns:a="http://schemas.openxmlformats.org/drawingml/2006/main" xmlns:dgm="http://schemas.openxmlformats.org/drawingml/2006/diagram" xmlns:dsp="http://schemas.microsoft.com/office/drawing/2008/diagram" xmlns:p="http://schemas.openxmlformats.org/presentationml/2006/main">
+<p:sld xmlns:a="http://schemas.openxmlformats.org/drawingml/2006/main" xmlns:r="http://schemas.openxmlformats.org/officeDocument/2006/relationships" xmlns:p="http://schemas.openxmlformats.org/presentationml/2006/main">
   <p:cSld>
     <p:spTree>
       <p:nvGrpSpPr>
@@ -4147,7 +4302,7 @@
       </p:grpSpPr>
       <p:sp>
         <p:nvSpPr>
-          <p:cNvPr id="19" name=""/>
+          <p:cNvPr id="19" name="직사각형 18"/>
           <p:cNvSpPr/>
           <p:nvPr/>
         </p:nvSpPr>
@@ -4184,6 +4339,7 @@
         </p:style>
         <p:txBody>
           <a:bodyPr anchor="ctr"/>
+          <a:lstStyle/>
           <a:p>
             <a:pPr algn="ctr">
               <a:defRPr/>
@@ -4194,7 +4350,7 @@
       </p:sp>
       <p:sp>
         <p:nvSpPr>
-          <p:cNvPr id="16" name=""/>
+          <p:cNvPr id="16" name="직사각형 15"/>
           <p:cNvSpPr/>
           <p:nvPr/>
         </p:nvSpPr>
@@ -4231,6 +4387,7 @@
         </p:style>
         <p:txBody>
           <a:bodyPr anchor="ctr"/>
+          <a:lstStyle/>
           <a:p>
             <a:pPr algn="ctr">
               <a:defRPr/>
@@ -4241,7 +4398,7 @@
       </p:sp>
       <p:sp>
         <p:nvSpPr>
-          <p:cNvPr id="14" name=""/>
+          <p:cNvPr id="14" name="타원 13"/>
           <p:cNvSpPr/>
           <p:nvPr/>
         </p:nvSpPr>
@@ -4266,6 +4423,7 @@
         </p:spPr>
         <p:txBody>
           <a:bodyPr anchor="ctr"/>
+          <a:lstStyle/>
           <a:p>
             <a:pPr marL="0" indent="0" algn="ctr" defTabSz="914400" rtl="0" eaLnBrk="1" latinLnBrk="1" hangingPunct="1">
               <a:lnSpc>
@@ -4280,9 +4438,9 @@
               <a:buNone/>
               <a:defRPr/>
             </a:pPr>
-            <a:endParaRPr xmlns:mc="http://schemas.openxmlformats.org/markup-compatibility/2006" xmlns:hp="http://schemas.haansoft.com/office/presentation/8.0" kumimoji="0" lang="ko-KR" altLang="en-US" sz="1800" b="0" i="0" u="none" strike="noStrike" kern="1200" cap="none" spc="0" normalizeH="0" baseline="0" mc:Ignorable="hp" hp:hslEmbossed="0">
+            <a:endParaRPr kumimoji="0" lang="ko-KR" altLang="en-US" sz="1800" b="0" i="0" u="none" strike="noStrike" kern="1200" cap="none" spc="0" normalizeH="0" baseline="0">
               <a:solidFill>
-                <a:srgbClr val="ffffff"/>
+                <a:srgbClr val="FFFFFF"/>
               </a:solidFill>
               <a:latin typeface="맑은 고딕"/>
               <a:ea typeface="맑은 고딕"/>
@@ -4341,7 +4499,7 @@
       </p:sp>
       <p:sp>
         <p:nvSpPr>
-          <p:cNvPr id="8" name=""/>
+          <p:cNvPr id="8" name="타원 7"/>
           <p:cNvSpPr/>
           <p:nvPr/>
         </p:nvSpPr>
@@ -4378,6 +4536,7 @@
         </p:style>
         <p:txBody>
           <a:bodyPr anchor="ctr"/>
+          <a:lstStyle/>
           <a:p>
             <a:pPr algn="ctr">
               <a:defRPr/>
@@ -4388,7 +4547,7 @@
       </p:sp>
       <p:sp>
         <p:nvSpPr>
-          <p:cNvPr id="11" name=""/>
+          <p:cNvPr id="11" name="타원 10"/>
           <p:cNvSpPr/>
           <p:nvPr/>
         </p:nvSpPr>
@@ -4425,6 +4584,7 @@
         </p:style>
         <p:txBody>
           <a:bodyPr anchor="ctr"/>
+          <a:lstStyle/>
           <a:p>
             <a:pPr algn="ctr">
               <a:defRPr/>
@@ -4435,7 +4595,7 @@
       </p:sp>
       <p:sp>
         <p:nvSpPr>
-          <p:cNvPr id="12" name=""/>
+          <p:cNvPr id="12" name="타원 11"/>
           <p:cNvSpPr/>
           <p:nvPr/>
         </p:nvSpPr>
@@ -4472,6 +4632,7 @@
         </p:style>
         <p:txBody>
           <a:bodyPr anchor="ctr"/>
+          <a:lstStyle/>
           <a:p>
             <a:pPr algn="ctr">
               <a:defRPr/>
@@ -4482,7 +4643,7 @@
       </p:sp>
       <p:sp>
         <p:nvSpPr>
-          <p:cNvPr id="13" name=""/>
+          <p:cNvPr id="13" name="타원 12"/>
           <p:cNvSpPr/>
           <p:nvPr/>
         </p:nvSpPr>
@@ -4519,6 +4680,7 @@
         </p:style>
         <p:txBody>
           <a:bodyPr anchor="ctr"/>
+          <a:lstStyle/>
           <a:p>
             <a:pPr algn="ctr">
               <a:defRPr/>
@@ -4529,7 +4691,7 @@
       </p:sp>
       <p:sp>
         <p:nvSpPr>
-          <p:cNvPr id="15" name=""/>
+          <p:cNvPr id="15" name="타원 14"/>
           <p:cNvSpPr/>
           <p:nvPr/>
         </p:nvSpPr>
@@ -4566,6 +4728,7 @@
         </p:style>
         <p:txBody>
           <a:bodyPr anchor="ctr"/>
+          <a:lstStyle/>
           <a:p>
             <a:pPr algn="ctr">
               <a:defRPr/>
@@ -4576,7 +4739,7 @@
       </p:sp>
       <p:sp>
         <p:nvSpPr>
-          <p:cNvPr id="20" name=""/>
+          <p:cNvPr id="20" name="직사각형 19"/>
           <p:cNvSpPr/>
           <p:nvPr/>
         </p:nvSpPr>
@@ -4617,6 +4780,7 @@
           <a:bodyPr wrap="square" anchor="ctr">
             <a:noAutofit/>
           </a:bodyPr>
+          <a:lstStyle/>
           <a:p>
             <a:pPr algn="ctr">
               <a:defRPr/>
@@ -4631,7 +4795,7 @@
       </p:sp>
       <p:sp>
         <p:nvSpPr>
-          <p:cNvPr id="21" name=""/>
+          <p:cNvPr id="21" name="직사각형 20"/>
           <p:cNvSpPr/>
           <p:nvPr/>
         </p:nvSpPr>
@@ -4658,6 +4822,7 @@
           <a:bodyPr wrap="square" anchor="ctr">
             <a:noAutofit/>
           </a:bodyPr>
+          <a:lstStyle/>
           <a:p>
             <a:pPr marL="0" indent="0" algn="ctr" defTabSz="914400" rtl="0" eaLnBrk="1" latinLnBrk="1" hangingPunct="1">
               <a:lnSpc>
@@ -4672,7 +4837,7 @@
               <a:buNone/>
               <a:defRPr/>
             </a:pPr>
-            <a:endParaRPr xmlns:mc="http://schemas.openxmlformats.org/markup-compatibility/2006" xmlns:hp="http://schemas.haansoft.com/office/presentation/8.0" kumimoji="0" lang="ko-KR" altLang="en-US" sz="1800" b="0" i="0" u="none" strike="noStrike" kern="1200" cap="none" spc="0" normalizeH="0" baseline="0" mc:Ignorable="hp" hp:hslEmbossed="0">
+            <a:endParaRPr kumimoji="0" lang="ko-KR" altLang="en-US" sz="1800" b="0" i="0" u="none" strike="noStrike" kern="1200" cap="none" spc="0" normalizeH="0" baseline="0">
               <a:solidFill>
                 <a:srgbClr val="000000"/>
               </a:solidFill>
@@ -4685,7 +4850,7 @@
       </p:sp>
       <p:sp>
         <p:nvSpPr>
-          <p:cNvPr id="22" name=""/>
+          <p:cNvPr id="22" name="타원 21"/>
           <p:cNvSpPr/>
           <p:nvPr/>
         </p:nvSpPr>
@@ -4724,6 +4889,7 @@
         </p:style>
         <p:txBody>
           <a:bodyPr anchor="ctr"/>
+          <a:lstStyle/>
           <a:p>
             <a:pPr algn="ctr">
               <a:defRPr/>
@@ -4734,7 +4900,7 @@
       </p:sp>
       <p:sp>
         <p:nvSpPr>
-          <p:cNvPr id="24" name=""/>
+          <p:cNvPr id="24" name="타원 23"/>
           <p:cNvSpPr/>
           <p:nvPr/>
         </p:nvSpPr>
@@ -4773,6 +4939,7 @@
         </p:style>
         <p:txBody>
           <a:bodyPr anchor="ctr"/>
+          <a:lstStyle/>
           <a:p>
             <a:pPr algn="ctr">
               <a:defRPr/>
@@ -4786,11 +4953,11 @@
   <p:clrMapOvr>
     <a:masterClrMapping/>
   </p:clrMapOvr>
-  <mc:AlternateContent xmlns:mc="http://schemas.openxmlformats.org/markup-compatibility/2006">
-    <mc:Choice xmlns:p14="http://schemas.microsoft.com/office/powerpoint/2010/main" Requires="p14">
-      <p:transition xmlns:mc="http://schemas.openxmlformats.org/markup-compatibility/2006" xmlns:p14="http://schemas.microsoft.com/office/powerpoint/2010/main" mc:Ignorable="p14" p14:dur="500"/>
+  <mc:AlternateContent xmlns:mc="http://schemas.openxmlformats.org/markup-compatibility/2006" xmlns:p14="http://schemas.microsoft.com/office/powerpoint/2010/main">
+    <mc:Choice Requires="p14">
+      <p:transition/>
     </mc:Choice>
-    <mc:Fallback>
+    <mc:Fallback xmlns="" xmlns:c="http://schemas.openxmlformats.org/drawingml/2006/chart" xmlns:dgm="http://schemas.openxmlformats.org/drawingml/2006/diagram" xmlns:dsp="http://schemas.microsoft.com/office/drawing/2008/diagram">
       <p:transition/>
     </mc:Fallback>
   </mc:AlternateContent>
@@ -4798,7 +4965,7 @@
 </file>
 
 <file path=ppt/slides/slide3.xml><?xml version="1.0" encoding="utf-8"?>
-<p:sld xmlns:r="http://schemas.openxmlformats.org/officeDocument/2006/relationships" xmlns:c="http://schemas.openxmlformats.org/drawingml/2006/chart" xmlns:a="http://schemas.openxmlformats.org/drawingml/2006/main" xmlns:dgm="http://schemas.openxmlformats.org/drawingml/2006/diagram" xmlns:dsp="http://schemas.microsoft.com/office/drawing/2008/diagram" xmlns:p="http://schemas.openxmlformats.org/presentationml/2006/main">
+<p:sld xmlns:a="http://schemas.openxmlformats.org/drawingml/2006/main" xmlns:r="http://schemas.openxmlformats.org/officeDocument/2006/relationships" xmlns:p="http://schemas.openxmlformats.org/presentationml/2006/main">
   <p:cSld>
     <p:spTree>
       <p:nvGrpSpPr>
@@ -4816,7 +4983,7 @@
       </p:grpSpPr>
       <p:sp>
         <p:nvSpPr>
-          <p:cNvPr id="4" name=""/>
+          <p:cNvPr id="4" name="직사각형 3"/>
           <p:cNvSpPr/>
           <p:nvPr/>
         </p:nvSpPr>
@@ -4866,6 +5033,7 @@
         </p:style>
         <p:txBody>
           <a:bodyPr anchor="ctr"/>
+          <a:lstStyle/>
           <a:p>
             <a:pPr algn="ctr">
               <a:defRPr/>
@@ -4879,11 +5047,11 @@
   <p:clrMapOvr>
     <a:masterClrMapping/>
   </p:clrMapOvr>
-  <mc:AlternateContent xmlns:mc="http://schemas.openxmlformats.org/markup-compatibility/2006">
-    <mc:Choice xmlns:p14="http://schemas.microsoft.com/office/powerpoint/2010/main" Requires="p14">
-      <p:transition xmlns:mc="http://schemas.openxmlformats.org/markup-compatibility/2006" xmlns:p14="http://schemas.microsoft.com/office/powerpoint/2010/main" mc:Ignorable="p14" p14:dur="500"/>
+  <mc:AlternateContent xmlns:mc="http://schemas.openxmlformats.org/markup-compatibility/2006" xmlns:p14="http://schemas.microsoft.com/office/powerpoint/2010/main">
+    <mc:Choice Requires="p14">
+      <p:transition/>
     </mc:Choice>
-    <mc:Fallback>
+    <mc:Fallback xmlns="" xmlns:c="http://schemas.openxmlformats.org/drawingml/2006/chart" xmlns:dgm="http://schemas.openxmlformats.org/drawingml/2006/diagram" xmlns:dsp="http://schemas.microsoft.com/office/drawing/2008/diagram">
       <p:transition/>
     </mc:Fallback>
   </mc:AlternateContent>
@@ -4891,7 +5059,7 @@
 </file>
 
 <file path=ppt/slides/slide4.xml><?xml version="1.0" encoding="utf-8"?>
-<p:sld xmlns:r="http://schemas.openxmlformats.org/officeDocument/2006/relationships" xmlns:c="http://schemas.openxmlformats.org/drawingml/2006/chart" xmlns:a="http://schemas.openxmlformats.org/drawingml/2006/main" xmlns:dgm="http://schemas.openxmlformats.org/drawingml/2006/diagram" xmlns:dsp="http://schemas.microsoft.com/office/drawing/2008/diagram" xmlns:p="http://schemas.openxmlformats.org/presentationml/2006/main">
+<p:sld xmlns:a="http://schemas.openxmlformats.org/drawingml/2006/main" xmlns:r="http://schemas.openxmlformats.org/officeDocument/2006/relationships" xmlns:p="http://schemas.openxmlformats.org/presentationml/2006/main">
   <p:cSld>
     <p:spTree>
       <p:nvGrpSpPr>
@@ -4938,6 +5106,7 @@
         </p:spPr>
         <p:txBody>
           <a:bodyPr anchor="ctr"/>
+          <a:lstStyle/>
           <a:p>
             <a:pPr marL="0" indent="0" algn="ctr" defTabSz="914400" rtl="0" eaLnBrk="1" latinLnBrk="1" hangingPunct="1">
               <a:lnSpc>
@@ -4952,9 +5121,9 @@
               <a:buNone/>
               <a:defRPr/>
             </a:pPr>
-            <a:endParaRPr xmlns:mc="http://schemas.openxmlformats.org/markup-compatibility/2006" xmlns:hp="http://schemas.haansoft.com/office/presentation/8.0" kumimoji="0" lang="ko-KR" altLang="en-US" sz="1800" b="0" i="0" u="none" strike="noStrike" kern="1200" cap="none" spc="0" normalizeH="0" baseline="0" mc:Ignorable="hp" hp:hslEmbossed="0">
+            <a:endParaRPr kumimoji="0" lang="ko-KR" altLang="en-US" sz="1800" b="0" i="0" u="none" strike="noStrike" kern="1200" cap="none" spc="0" normalizeH="0" baseline="0">
               <a:solidFill>
-                <a:srgbClr val="ffffff"/>
+                <a:srgbClr val="FFFFFF"/>
               </a:solidFill>
               <a:latin typeface="맑은 고딕"/>
               <a:ea typeface="맑은 고딕"/>
@@ -4994,6 +5163,7 @@
         </p:spPr>
         <p:txBody>
           <a:bodyPr anchor="ctr"/>
+          <a:lstStyle/>
           <a:p>
             <a:pPr marL="0" indent="0" algn="ctr" defTabSz="914400" rtl="0" eaLnBrk="1" latinLnBrk="1" hangingPunct="1">
               <a:lnSpc>
@@ -5008,9 +5178,9 @@
               <a:buNone/>
               <a:defRPr/>
             </a:pPr>
-            <a:endParaRPr xmlns:mc="http://schemas.openxmlformats.org/markup-compatibility/2006" xmlns:hp="http://schemas.haansoft.com/office/presentation/8.0" kumimoji="0" lang="ko-KR" altLang="en-US" sz="1800" b="0" i="0" u="none" strike="noStrike" kern="1200" cap="none" spc="0" normalizeH="0" baseline="0" mc:Ignorable="hp" hp:hslEmbossed="0">
+            <a:endParaRPr kumimoji="0" lang="ko-KR" altLang="en-US" sz="1800" b="0" i="0" u="none" strike="noStrike" kern="1200" cap="none" spc="0" normalizeH="0" baseline="0">
               <a:solidFill>
-                <a:srgbClr val="ffffff"/>
+                <a:srgbClr val="FFFFFF"/>
               </a:solidFill>
               <a:latin typeface="맑은 고딕"/>
               <a:ea typeface="맑은 고딕"/>
@@ -5050,6 +5220,7 @@
         </p:spPr>
         <p:txBody>
           <a:bodyPr anchor="ctr"/>
+          <a:lstStyle/>
           <a:p>
             <a:pPr marL="0" indent="0" algn="ctr" defTabSz="914400" rtl="0" eaLnBrk="1" latinLnBrk="1" hangingPunct="1">
               <a:lnSpc>
@@ -5064,9 +5235,9 @@
               <a:buNone/>
               <a:defRPr/>
             </a:pPr>
-            <a:endParaRPr xmlns:mc="http://schemas.openxmlformats.org/markup-compatibility/2006" xmlns:hp="http://schemas.haansoft.com/office/presentation/8.0" kumimoji="0" lang="ko-KR" altLang="en-US" sz="1800" b="0" i="0" u="none" strike="noStrike" kern="1200" cap="none" spc="0" normalizeH="0" baseline="0" mc:Ignorable="hp" hp:hslEmbossed="0">
+            <a:endParaRPr kumimoji="0" lang="ko-KR" altLang="en-US" sz="1800" b="0" i="0" u="none" strike="noStrike" kern="1200" cap="none" spc="0" normalizeH="0" baseline="0">
               <a:solidFill>
-                <a:srgbClr val="ffffff"/>
+                <a:srgbClr val="FFFFFF"/>
               </a:solidFill>
               <a:latin typeface="맑은 고딕"/>
               <a:ea typeface="맑은 고딕"/>
@@ -5106,6 +5277,7 @@
         </p:spPr>
         <p:txBody>
           <a:bodyPr anchor="ctr"/>
+          <a:lstStyle/>
           <a:p>
             <a:pPr marL="0" indent="0" algn="ctr" defTabSz="914400" rtl="0" eaLnBrk="1" latinLnBrk="1" hangingPunct="1">
               <a:lnSpc>
@@ -5120,9 +5292,9 @@
               <a:buNone/>
               <a:defRPr/>
             </a:pPr>
-            <a:endParaRPr xmlns:mc="http://schemas.openxmlformats.org/markup-compatibility/2006" xmlns:hp="http://schemas.haansoft.com/office/presentation/8.0" kumimoji="0" lang="ko-KR" altLang="en-US" sz="1800" b="0" i="0" u="none" strike="noStrike" kern="1200" cap="none" spc="0" normalizeH="0" baseline="0" mc:Ignorable="hp" hp:hslEmbossed="0">
+            <a:endParaRPr kumimoji="0" lang="ko-KR" altLang="en-US" sz="1800" b="0" i="0" u="none" strike="noStrike" kern="1200" cap="none" spc="0" normalizeH="0" baseline="0">
               <a:solidFill>
-                <a:srgbClr val="ffffff"/>
+                <a:srgbClr val="FFFFFF"/>
               </a:solidFill>
               <a:latin typeface="맑은 고딕"/>
               <a:ea typeface="맑은 고딕"/>
@@ -5162,6 +5334,7 @@
         </p:spPr>
         <p:txBody>
           <a:bodyPr anchor="ctr"/>
+          <a:lstStyle/>
           <a:p>
             <a:pPr marL="0" indent="0" algn="ctr" defTabSz="914400" rtl="0" eaLnBrk="1" latinLnBrk="1" hangingPunct="1">
               <a:lnSpc>
@@ -5176,9 +5349,9 @@
               <a:buNone/>
               <a:defRPr/>
             </a:pPr>
-            <a:endParaRPr xmlns:mc="http://schemas.openxmlformats.org/markup-compatibility/2006" xmlns:hp="http://schemas.haansoft.com/office/presentation/8.0" kumimoji="0" lang="ko-KR" altLang="en-US" sz="1800" b="0" i="0" u="none" strike="noStrike" kern="1200" cap="none" spc="0" normalizeH="0" baseline="0" mc:Ignorable="hp" hp:hslEmbossed="0">
+            <a:endParaRPr kumimoji="0" lang="ko-KR" altLang="en-US" sz="1800" b="0" i="0" u="none" strike="noStrike" kern="1200" cap="none" spc="0" normalizeH="0" baseline="0">
               <a:solidFill>
-                <a:srgbClr val="ffffff"/>
+                <a:srgbClr val="FFFFFF"/>
               </a:solidFill>
               <a:latin typeface="맑은 고딕"/>
               <a:ea typeface="맑은 고딕"/>
@@ -5218,6 +5391,7 @@
         </p:spPr>
         <p:txBody>
           <a:bodyPr anchor="ctr"/>
+          <a:lstStyle/>
           <a:p>
             <a:pPr marL="0" indent="0" algn="ctr" defTabSz="914400" rtl="0" eaLnBrk="1" latinLnBrk="1" hangingPunct="1">
               <a:lnSpc>
@@ -5232,9 +5406,9 @@
               <a:buNone/>
               <a:defRPr/>
             </a:pPr>
-            <a:endParaRPr xmlns:mc="http://schemas.openxmlformats.org/markup-compatibility/2006" xmlns:hp="http://schemas.haansoft.com/office/presentation/8.0" kumimoji="0" lang="ko-KR" altLang="en-US" sz="1800" b="0" i="0" u="none" strike="noStrike" kern="1200" cap="none" spc="0" normalizeH="0" baseline="0" mc:Ignorable="hp" hp:hslEmbossed="0">
+            <a:endParaRPr kumimoji="0" lang="ko-KR" altLang="en-US" sz="1800" b="0" i="0" u="none" strike="noStrike" kern="1200" cap="none" spc="0" normalizeH="0" baseline="0">
               <a:solidFill>
-                <a:srgbClr val="ffffff"/>
+                <a:srgbClr val="FFFFFF"/>
               </a:solidFill>
               <a:latin typeface="맑은 고딕"/>
               <a:ea typeface="맑은 고딕"/>
@@ -5274,6 +5448,7 @@
         </p:spPr>
         <p:txBody>
           <a:bodyPr anchor="ctr"/>
+          <a:lstStyle/>
           <a:p>
             <a:pPr marL="0" indent="0" algn="ctr" defTabSz="914400" rtl="0" eaLnBrk="1" latinLnBrk="1" hangingPunct="1">
               <a:lnSpc>
@@ -5288,9 +5463,9 @@
               <a:buNone/>
               <a:defRPr/>
             </a:pPr>
-            <a:endParaRPr xmlns:mc="http://schemas.openxmlformats.org/markup-compatibility/2006" xmlns:hp="http://schemas.haansoft.com/office/presentation/8.0" kumimoji="0" lang="ko-KR" altLang="en-US" sz="1800" b="0" i="0" u="none" strike="noStrike" kern="1200" cap="none" spc="0" normalizeH="0" baseline="0" mc:Ignorable="hp" hp:hslEmbossed="0">
+            <a:endParaRPr kumimoji="0" lang="ko-KR" altLang="en-US" sz="1800" b="0" i="0" u="none" strike="noStrike" kern="1200" cap="none" spc="0" normalizeH="0" baseline="0">
               <a:solidFill>
-                <a:srgbClr val="ffffff"/>
+                <a:srgbClr val="FFFFFF"/>
               </a:solidFill>
               <a:latin typeface="맑은 고딕"/>
               <a:ea typeface="맑은 고딕"/>
@@ -5304,56 +5479,406 @@
   <p:clrMapOvr>
     <a:masterClrMapping/>
   </p:clrMapOvr>
-  <mc:AlternateContent xmlns:mc="http://schemas.openxmlformats.org/markup-compatibility/2006">
-    <mc:Choice xmlns:p14="http://schemas.microsoft.com/office/powerpoint/2010/main" Requires="p14">
-      <p:transition xmlns:mc="http://schemas.openxmlformats.org/markup-compatibility/2006" xmlns:p14="http://schemas.microsoft.com/office/powerpoint/2010/main" mc:Ignorable="p14" p14:dur="500"/>
+  <mc:AlternateContent xmlns:mc="http://schemas.openxmlformats.org/markup-compatibility/2006" xmlns:p14="http://schemas.microsoft.com/office/powerpoint/2010/main">
+    <mc:Choice Requires="p14">
+      <p:transition/>
     </mc:Choice>
-    <mc:Fallback>
+    <mc:Fallback xmlns="" xmlns:c="http://schemas.openxmlformats.org/drawingml/2006/chart" xmlns:dgm="http://schemas.openxmlformats.org/drawingml/2006/diagram" xmlns:dsp="http://schemas.microsoft.com/office/drawing/2008/diagram">
       <p:transition/>
     </mc:Fallback>
   </mc:AlternateContent>
 </p:sld>
 </file>
 
+<file path=ppt/slides/slide5.xml><?xml version="1.0" encoding="utf-8"?>
+<p:sld xmlns:a="http://schemas.openxmlformats.org/drawingml/2006/main" xmlns:r="http://schemas.openxmlformats.org/officeDocument/2006/relationships" xmlns:p="http://schemas.openxmlformats.org/presentationml/2006/main">
+  <p:cSld>
+    <p:spTree>
+      <p:nvGrpSpPr>
+        <p:cNvPr id="1" name=""/>
+        <p:cNvGrpSpPr/>
+        <p:nvPr/>
+      </p:nvGrpSpPr>
+      <p:grpSpPr>
+        <a:xfrm>
+          <a:off x="0" y="0"/>
+          <a:ext cx="0" cy="0"/>
+          <a:chOff x="0" y="0"/>
+          <a:chExt cx="0" cy="0"/>
+        </a:xfrm>
+      </p:grpSpPr>
+      <p:sp>
+        <p:nvSpPr>
+          <p:cNvPr id="5" name="직각 삼각형 4">
+            <a:extLst>
+              <a:ext uri="{FF2B5EF4-FFF2-40B4-BE49-F238E27FC236}">
+                <a16:creationId xmlns:a16="http://schemas.microsoft.com/office/drawing/2014/main" id="{E037EF92-6BE3-4130-9B9E-F0C7844292BA}"/>
+              </a:ext>
+            </a:extLst>
+          </p:cNvPr>
+          <p:cNvSpPr/>
+          <p:nvPr/>
+        </p:nvSpPr>
+        <p:spPr>
+          <a:xfrm flipV="1">
+            <a:off x="5519928" y="1196690"/>
+            <a:ext cx="1440000" cy="3600300"/>
+          </a:xfrm>
+          <a:prstGeom prst="rtTriangle">
+            <a:avLst/>
+          </a:prstGeom>
+          <a:solidFill>
+            <a:schemeClr val="tx1"/>
+          </a:solidFill>
+          <a:ln>
+            <a:noFill/>
+          </a:ln>
+        </p:spPr>
+        <p:style>
+          <a:lnRef idx="2">
+            <a:schemeClr val="accent1">
+              <a:shade val="20000"/>
+            </a:schemeClr>
+          </a:lnRef>
+          <a:fillRef idx="1">
+            <a:schemeClr val="accent1"/>
+          </a:fillRef>
+          <a:effectRef idx="0">
+            <a:schemeClr val="accent1"/>
+          </a:effectRef>
+          <a:fontRef idx="minor">
+            <a:schemeClr val="lt1"/>
+          </a:fontRef>
+        </p:style>
+        <p:txBody>
+          <a:bodyPr rtlCol="0" anchor="ctr"/>
+          <a:lstStyle/>
+          <a:p>
+            <a:pPr algn="ctr"/>
+            <a:endParaRPr lang="ko-KR" altLang="en-US"/>
+          </a:p>
+        </p:txBody>
+      </p:sp>
+      <p:sp>
+        <p:nvSpPr>
+          <p:cNvPr id="6" name="직각 삼각형 5">
+            <a:extLst>
+              <a:ext uri="{FF2B5EF4-FFF2-40B4-BE49-F238E27FC236}">
+                <a16:creationId xmlns:a16="http://schemas.microsoft.com/office/drawing/2014/main" id="{E609C0E9-08FF-4488-9DA9-833255462037}"/>
+              </a:ext>
+            </a:extLst>
+          </p:cNvPr>
+          <p:cNvSpPr/>
+          <p:nvPr/>
+        </p:nvSpPr>
+        <p:spPr>
+          <a:xfrm flipH="1" flipV="1">
+            <a:off x="2639928" y="1196690"/>
+            <a:ext cx="1440000" cy="3600300"/>
+          </a:xfrm>
+          <a:prstGeom prst="rtTriangle">
+            <a:avLst/>
+          </a:prstGeom>
+          <a:solidFill>
+            <a:schemeClr val="tx1"/>
+          </a:solidFill>
+          <a:ln>
+            <a:noFill/>
+          </a:ln>
+        </p:spPr>
+        <p:style>
+          <a:lnRef idx="2">
+            <a:schemeClr val="accent1">
+              <a:shade val="20000"/>
+            </a:schemeClr>
+          </a:lnRef>
+          <a:fillRef idx="1">
+            <a:schemeClr val="accent1"/>
+          </a:fillRef>
+          <a:effectRef idx="0">
+            <a:schemeClr val="accent1"/>
+          </a:effectRef>
+          <a:fontRef idx="minor">
+            <a:schemeClr val="lt1"/>
+          </a:fontRef>
+        </p:style>
+        <p:txBody>
+          <a:bodyPr rtlCol="0" anchor="ctr"/>
+          <a:lstStyle/>
+          <a:p>
+            <a:pPr algn="ctr"/>
+            <a:endParaRPr lang="ko-KR" altLang="en-US"/>
+          </a:p>
+        </p:txBody>
+      </p:sp>
+      <p:sp>
+        <p:nvSpPr>
+          <p:cNvPr id="7" name="직각 삼각형 6">
+            <a:extLst>
+              <a:ext uri="{FF2B5EF4-FFF2-40B4-BE49-F238E27FC236}">
+                <a16:creationId xmlns:a16="http://schemas.microsoft.com/office/drawing/2014/main" id="{A1F0F237-C95A-4C0F-9F87-F704A29F441D}"/>
+              </a:ext>
+            </a:extLst>
+          </p:cNvPr>
+          <p:cNvSpPr/>
+          <p:nvPr/>
+        </p:nvSpPr>
+        <p:spPr>
+          <a:xfrm>
+            <a:off x="4079928" y="1196690"/>
+            <a:ext cx="1440000" cy="3600300"/>
+          </a:xfrm>
+          <a:prstGeom prst="rtTriangle">
+            <a:avLst/>
+          </a:prstGeom>
+          <a:solidFill>
+            <a:schemeClr val="tx1"/>
+          </a:solidFill>
+          <a:ln>
+            <a:noFill/>
+          </a:ln>
+        </p:spPr>
+        <p:style>
+          <a:lnRef idx="2">
+            <a:schemeClr val="accent1">
+              <a:shade val="20000"/>
+            </a:schemeClr>
+          </a:lnRef>
+          <a:fillRef idx="1">
+            <a:schemeClr val="accent1"/>
+          </a:fillRef>
+          <a:effectRef idx="0">
+            <a:schemeClr val="accent1"/>
+          </a:effectRef>
+          <a:fontRef idx="minor">
+            <a:schemeClr val="lt1"/>
+          </a:fontRef>
+        </p:style>
+        <p:txBody>
+          <a:bodyPr rtlCol="0" anchor="ctr"/>
+          <a:lstStyle/>
+          <a:p>
+            <a:pPr algn="ctr"/>
+            <a:endParaRPr lang="ko-KR" altLang="en-US"/>
+          </a:p>
+        </p:txBody>
+      </p:sp>
+      <p:sp>
+        <p:nvSpPr>
+          <p:cNvPr id="8" name="직각 삼각형 7">
+            <a:extLst>
+              <a:ext uri="{FF2B5EF4-FFF2-40B4-BE49-F238E27FC236}">
+                <a16:creationId xmlns:a16="http://schemas.microsoft.com/office/drawing/2014/main" id="{C5FB16B3-CDFA-410B-900E-6FA654BBE12A}"/>
+              </a:ext>
+            </a:extLst>
+          </p:cNvPr>
+          <p:cNvSpPr/>
+          <p:nvPr/>
+        </p:nvSpPr>
+        <p:spPr>
+          <a:xfrm flipH="1">
+            <a:off x="4079928" y="1196690"/>
+            <a:ext cx="1440000" cy="3600300"/>
+          </a:xfrm>
+          <a:prstGeom prst="rtTriangle">
+            <a:avLst/>
+          </a:prstGeom>
+          <a:solidFill>
+            <a:schemeClr val="tx1"/>
+          </a:solidFill>
+          <a:ln>
+            <a:noFill/>
+          </a:ln>
+        </p:spPr>
+        <p:style>
+          <a:lnRef idx="2">
+            <a:schemeClr val="accent1">
+              <a:shade val="20000"/>
+            </a:schemeClr>
+          </a:lnRef>
+          <a:fillRef idx="1">
+            <a:schemeClr val="accent1"/>
+          </a:fillRef>
+          <a:effectRef idx="0">
+            <a:schemeClr val="accent1"/>
+          </a:effectRef>
+          <a:fontRef idx="minor">
+            <a:schemeClr val="lt1"/>
+          </a:fontRef>
+        </p:style>
+        <p:txBody>
+          <a:bodyPr rtlCol="0" anchor="ctr"/>
+          <a:lstStyle/>
+          <a:p>
+            <a:pPr algn="ctr"/>
+            <a:endParaRPr lang="ko-KR" altLang="en-US"/>
+          </a:p>
+        </p:txBody>
+      </p:sp>
+      <p:sp>
+        <p:nvSpPr>
+          <p:cNvPr id="9" name="사다리꼴 8">
+            <a:extLst>
+              <a:ext uri="{FF2B5EF4-FFF2-40B4-BE49-F238E27FC236}">
+                <a16:creationId xmlns:a16="http://schemas.microsoft.com/office/drawing/2014/main" id="{3D653B25-D1F6-4CAA-9230-5A4CB4D10F6C}"/>
+              </a:ext>
+            </a:extLst>
+          </p:cNvPr>
+          <p:cNvSpPr/>
+          <p:nvPr/>
+        </p:nvSpPr>
+        <p:spPr>
+          <a:xfrm>
+            <a:off x="5591930" y="3580838"/>
+            <a:ext cx="1800000" cy="1216152"/>
+          </a:xfrm>
+          <a:prstGeom prst="trapezoid">
+            <a:avLst>
+              <a:gd name="adj" fmla="val 39969"/>
+            </a:avLst>
+          </a:prstGeom>
+          <a:solidFill>
+            <a:schemeClr val="dk1">
+              <a:alpha val="40000"/>
+            </a:schemeClr>
+          </a:solidFill>
+          <a:ln>
+            <a:noFill/>
+          </a:ln>
+        </p:spPr>
+        <p:style>
+          <a:lnRef idx="2">
+            <a:schemeClr val="accent1">
+              <a:shade val="20000"/>
+            </a:schemeClr>
+          </a:lnRef>
+          <a:fillRef idx="1">
+            <a:schemeClr val="accent1"/>
+          </a:fillRef>
+          <a:effectRef idx="0">
+            <a:schemeClr val="accent1"/>
+          </a:effectRef>
+          <a:fontRef idx="minor">
+            <a:schemeClr val="lt1"/>
+          </a:fontRef>
+        </p:style>
+        <p:txBody>
+          <a:bodyPr rtlCol="0" anchor="ctr"/>
+          <a:lstStyle/>
+          <a:p>
+            <a:pPr algn="ctr"/>
+            <a:endParaRPr lang="ko-KR" altLang="en-US"/>
+          </a:p>
+        </p:txBody>
+      </p:sp>
+      <p:sp>
+        <p:nvSpPr>
+          <p:cNvPr id="12" name="사다리꼴 11">
+            <a:extLst>
+              <a:ext uri="{FF2B5EF4-FFF2-40B4-BE49-F238E27FC236}">
+                <a16:creationId xmlns:a16="http://schemas.microsoft.com/office/drawing/2014/main" id="{0F09B25F-E752-4898-B026-D0AC75981428}"/>
+              </a:ext>
+            </a:extLst>
+          </p:cNvPr>
+          <p:cNvSpPr/>
+          <p:nvPr/>
+        </p:nvSpPr>
+        <p:spPr>
+          <a:xfrm>
+            <a:off x="2207926" y="3580838"/>
+            <a:ext cx="1800000" cy="1216152"/>
+          </a:xfrm>
+          <a:prstGeom prst="trapezoid">
+            <a:avLst>
+              <a:gd name="adj" fmla="val 39969"/>
+            </a:avLst>
+          </a:prstGeom>
+          <a:solidFill>
+            <a:schemeClr val="dk1">
+              <a:alpha val="40000"/>
+            </a:schemeClr>
+          </a:solidFill>
+          <a:ln>
+            <a:noFill/>
+          </a:ln>
+        </p:spPr>
+        <p:style>
+          <a:lnRef idx="2">
+            <a:schemeClr val="accent1">
+              <a:shade val="20000"/>
+            </a:schemeClr>
+          </a:lnRef>
+          <a:fillRef idx="1">
+            <a:schemeClr val="accent1"/>
+          </a:fillRef>
+          <a:effectRef idx="0">
+            <a:schemeClr val="accent1"/>
+          </a:effectRef>
+          <a:fontRef idx="minor">
+            <a:schemeClr val="lt1"/>
+          </a:fontRef>
+        </p:style>
+        <p:txBody>
+          <a:bodyPr rtlCol="0" anchor="ctr"/>
+          <a:lstStyle/>
+          <a:p>
+            <a:pPr algn="ctr"/>
+            <a:endParaRPr lang="ko-KR" altLang="en-US"/>
+          </a:p>
+        </p:txBody>
+      </p:sp>
+    </p:spTree>
+    <p:extLst>
+      <p:ext uri="{BB962C8B-B14F-4D97-AF65-F5344CB8AC3E}">
+        <p14:creationId xmlns:p14="http://schemas.microsoft.com/office/powerpoint/2010/main" val="3840296680"/>
+      </p:ext>
+    </p:extLst>
+  </p:cSld>
+  <p:clrMapOvr>
+    <a:masterClrMapping/>
+  </p:clrMapOvr>
+</p:sld>
+</file>
+
 <file path=ppt/theme/theme1.xml><?xml version="1.0" encoding="utf-8"?>
-<a:theme xmlns:r="http://schemas.openxmlformats.org/officeDocument/2006/relationships" xmlns:c="http://schemas.openxmlformats.org/drawingml/2006/chart" xmlns:dgm="http://schemas.openxmlformats.org/drawingml/2006/diagram" xmlns:dsp="http://schemas.microsoft.com/office/drawing/2008/diagram" xmlns:a="http://schemas.openxmlformats.org/drawingml/2006/main" xmlns:pic="http://schemas.openxmlformats.org/drawingml/2006/picture" xmlns:wp="http://schemas.openxmlformats.org/drawingml/2006/wordprocessingDrawing" xmlns:xdr="http://schemas.openxmlformats.org/drawingml/2006/spreadsheetDrawing" xmlns:lc="http://schemas.openxmlformats.org/drawingml/2006/lockedCanvas" xmlns:p="http://schemas.openxmlformats.org/presentationml/2006/main" name="Office 테마">
+<a:theme xmlns:a="http://schemas.openxmlformats.org/drawingml/2006/main" name="Office 테마">
   <a:themeElements>
     <a:clrScheme name="Office">
       <a:dk1>
         <a:sysClr val="windowText" lastClr="000000"/>
       </a:dk1>
       <a:lt1>
-        <a:sysClr val="window" lastClr="ffffff"/>
+        <a:sysClr val="window" lastClr="FFFFFF"/>
       </a:lt1>
       <a:dk2>
-        <a:srgbClr val="44546a"/>
+        <a:srgbClr val="44546A"/>
       </a:dk2>
       <a:lt2>
-        <a:srgbClr val="e7e6e6"/>
+        <a:srgbClr val="E7E6E6"/>
       </a:lt2>
       <a:accent1>
-        <a:srgbClr val="4472c4"/>
+        <a:srgbClr val="4472C4"/>
       </a:accent1>
       <a:accent2>
-        <a:srgbClr val="ed7d31"/>
+        <a:srgbClr val="ED7D31"/>
       </a:accent2>
       <a:accent3>
-        <a:srgbClr val="a5a5a5"/>
+        <a:srgbClr val="A5A5A5"/>
       </a:accent3>
       <a:accent4>
-        <a:srgbClr val="ffc000"/>
+        <a:srgbClr val="FFC000"/>
       </a:accent4>
       <a:accent5>
-        <a:srgbClr val="5b9bd5"/>
+        <a:srgbClr val="5B9BD5"/>
       </a:accent5>
       <a:accent6>
-        <a:srgbClr val="70ad47"/>
+        <a:srgbClr val="70AD47"/>
       </a:accent6>
       <a:hlink>
-        <a:srgbClr val="0563c1"/>
+        <a:srgbClr val="0563C1"/>
       </a:hlink>
       <a:folHlink>
-        <a:srgbClr val="954f72"/>
+        <a:srgbClr val="954F72"/>
       </a:folHlink>
     </a:clrScheme>
     <a:fontScheme name="Office">
@@ -5660,5 +6185,6 @@
       <a:lstStyle/>
     </a:txDef>
   </a:objectDefaults>
+  <a:extraClrSchemeLst/>
 </a:theme>
 </file>